--- a/Meeting/Presentation_0907.pptx
+++ b/Meeting/Presentation_0907.pptx
@@ -5,7 +5,7 @@
     <p:sldMasterId id="2147483648" r:id="rId1"/>
   </p:sldMasterIdLst>
   <p:notesMasterIdLst>
-    <p:notesMasterId r:id="rId23"/>
+    <p:notesMasterId r:id="rId24"/>
   </p:notesMasterIdLst>
   <p:sldIdLst>
     <p:sldId id="256" r:id="rId2"/>
@@ -17,18 +17,19 @@
     <p:sldId id="355" r:id="rId8"/>
     <p:sldId id="364" r:id="rId9"/>
     <p:sldId id="362" r:id="rId10"/>
-    <p:sldId id="360" r:id="rId11"/>
-    <p:sldId id="366" r:id="rId12"/>
-    <p:sldId id="369" r:id="rId13"/>
-    <p:sldId id="365" r:id="rId14"/>
-    <p:sldId id="367" r:id="rId15"/>
-    <p:sldId id="356" r:id="rId16"/>
-    <p:sldId id="312" r:id="rId17"/>
-    <p:sldId id="320" r:id="rId18"/>
-    <p:sldId id="363" r:id="rId19"/>
-    <p:sldId id="353" r:id="rId20"/>
-    <p:sldId id="324" r:id="rId21"/>
-    <p:sldId id="339" r:id="rId22"/>
+    <p:sldId id="366" r:id="rId11"/>
+    <p:sldId id="369" r:id="rId12"/>
+    <p:sldId id="365" r:id="rId13"/>
+    <p:sldId id="367" r:id="rId14"/>
+    <p:sldId id="356" r:id="rId15"/>
+    <p:sldId id="312" r:id="rId16"/>
+    <p:sldId id="320" r:id="rId17"/>
+    <p:sldId id="363" r:id="rId18"/>
+    <p:sldId id="371" r:id="rId19"/>
+    <p:sldId id="370" r:id="rId20"/>
+    <p:sldId id="353" r:id="rId21"/>
+    <p:sldId id="324" r:id="rId22"/>
+    <p:sldId id="339" r:id="rId23"/>
   </p:sldIdLst>
   <p:sldSz cx="12192000" cy="6858000"/>
   <p:notesSz cx="6858000" cy="9144000"/>
@@ -217,7 +218,7 @@
           <a:p>
             <a:fld id="{FD5F46E7-AC74-B24A-8D7A-61E847F3340B}" type="datetimeFigureOut">
               <a:rPr lang="en-TW" smtClean="0"/>
-              <a:t>2023/9/5</a:t>
+              <a:t>2023/9/7</a:t>
             </a:fld>
             <a:endParaRPr lang="en-TW"/>
           </a:p>
@@ -637,7 +638,7 @@
           <a:p>
             <a:fld id="{50B9CB7D-C514-3544-A72A-E200086B53CC}" type="slidenum">
               <a:rPr lang="en-TW" smtClean="0"/>
-              <a:t>14</a:t>
+              <a:t>15</a:t>
             </a:fld>
             <a:endParaRPr lang="en-TW"/>
           </a:p>
@@ -646,7 +647,7 @@
     </p:spTree>
     <p:extLst>
       <p:ext uri="{BB962C8B-B14F-4D97-AF65-F5344CB8AC3E}">
-        <p14:creationId xmlns:p14="http://schemas.microsoft.com/office/powerpoint/2010/main" val="4085463861"/>
+        <p14:creationId xmlns:p14="http://schemas.microsoft.com/office/powerpoint/2010/main" val="905481662"/>
       </p:ext>
     </p:extLst>
   </p:cSld>
@@ -721,7 +722,7 @@
           <a:p>
             <a:fld id="{50B9CB7D-C514-3544-A72A-E200086B53CC}" type="slidenum">
               <a:rPr lang="en-TW" smtClean="0"/>
-              <a:t>16</a:t>
+              <a:t>18</a:t>
             </a:fld>
             <a:endParaRPr lang="en-TW"/>
           </a:p>
@@ -730,7 +731,7 @@
     </p:spTree>
     <p:extLst>
       <p:ext uri="{BB962C8B-B14F-4D97-AF65-F5344CB8AC3E}">
-        <p14:creationId xmlns:p14="http://schemas.microsoft.com/office/powerpoint/2010/main" val="905481662"/>
+        <p14:creationId xmlns:p14="http://schemas.microsoft.com/office/powerpoint/2010/main" val="1904307692"/>
       </p:ext>
     </p:extLst>
   </p:cSld>
@@ -805,7 +806,91 @@
           <a:p>
             <a:fld id="{50B9CB7D-C514-3544-A72A-E200086B53CC}" type="slidenum">
               <a:rPr lang="en-TW" smtClean="0"/>
-              <a:t>20</a:t>
+              <a:t>19</a:t>
+            </a:fld>
+            <a:endParaRPr lang="en-TW"/>
+          </a:p>
+        </p:txBody>
+      </p:sp>
+    </p:spTree>
+    <p:extLst>
+      <p:ext uri="{BB962C8B-B14F-4D97-AF65-F5344CB8AC3E}">
+        <p14:creationId xmlns:p14="http://schemas.microsoft.com/office/powerpoint/2010/main" val="2452282670"/>
+      </p:ext>
+    </p:extLst>
+  </p:cSld>
+  <p:clrMapOvr>
+    <a:masterClrMapping/>
+  </p:clrMapOvr>
+</p:notes>
+</file>
+
+<file path=ppt/notesSlides/notesSlide13.xml><?xml version="1.0" encoding="utf-8"?>
+<p:notes xmlns:a="http://schemas.openxmlformats.org/drawingml/2006/main" xmlns:r="http://schemas.openxmlformats.org/officeDocument/2006/relationships" xmlns:p="http://schemas.openxmlformats.org/presentationml/2006/main">
+  <p:cSld>
+    <p:spTree>
+      <p:nvGrpSpPr>
+        <p:cNvPr id="1" name=""/>
+        <p:cNvGrpSpPr/>
+        <p:nvPr/>
+      </p:nvGrpSpPr>
+      <p:grpSpPr>
+        <a:xfrm>
+          <a:off x="0" y="0"/>
+          <a:ext cx="0" cy="0"/>
+          <a:chOff x="0" y="0"/>
+          <a:chExt cx="0" cy="0"/>
+        </a:xfrm>
+      </p:grpSpPr>
+      <p:sp>
+        <p:nvSpPr>
+          <p:cNvPr id="2" name="Slide Image Placeholder 1"/>
+          <p:cNvSpPr>
+            <a:spLocks noGrp="1" noRot="1" noChangeAspect="1"/>
+          </p:cNvSpPr>
+          <p:nvPr>
+            <p:ph type="sldImg"/>
+          </p:nvPr>
+        </p:nvSpPr>
+        <p:spPr/>
+      </p:sp>
+      <p:sp>
+        <p:nvSpPr>
+          <p:cNvPr id="3" name="Notes Placeholder 2"/>
+          <p:cNvSpPr>
+            <a:spLocks noGrp="1"/>
+          </p:cNvSpPr>
+          <p:nvPr>
+            <p:ph type="body" idx="1"/>
+          </p:nvPr>
+        </p:nvSpPr>
+        <p:spPr/>
+        <p:txBody>
+          <a:bodyPr/>
+          <a:lstStyle/>
+          <a:p>
+            <a:endParaRPr lang="en-US" altLang="zh-TW" dirty="0"/>
+          </a:p>
+        </p:txBody>
+      </p:sp>
+      <p:sp>
+        <p:nvSpPr>
+          <p:cNvPr id="4" name="Slide Number Placeholder 3"/>
+          <p:cNvSpPr>
+            <a:spLocks noGrp="1"/>
+          </p:cNvSpPr>
+          <p:nvPr>
+            <p:ph type="sldNum" sz="quarter" idx="5"/>
+          </p:nvPr>
+        </p:nvSpPr>
+        <p:spPr/>
+        <p:txBody>
+          <a:bodyPr/>
+          <a:lstStyle/>
+          <a:p>
+            <a:fld id="{50B9CB7D-C514-3544-A72A-E200086B53CC}" type="slidenum">
+              <a:rPr lang="en-TW" smtClean="0"/>
+              <a:t>21</a:t>
             </a:fld>
             <a:endParaRPr lang="en-TW"/>
           </a:p>
@@ -1990,7 +2075,7 @@
     </p:spTree>
     <p:extLst>
       <p:ext uri="{BB962C8B-B14F-4D97-AF65-F5344CB8AC3E}">
-        <p14:creationId xmlns:p14="http://schemas.microsoft.com/office/powerpoint/2010/main" val="1176698506"/>
+        <p14:creationId xmlns:p14="http://schemas.microsoft.com/office/powerpoint/2010/main" val="1797508559"/>
       </p:ext>
     </p:extLst>
   </p:cSld>
@@ -2065,7 +2150,7 @@
           <a:p>
             <a:fld id="{50B9CB7D-C514-3544-A72A-E200086B53CC}" type="slidenum">
               <a:rPr lang="en-TW" smtClean="0"/>
-              <a:t>11</a:t>
+              <a:t>12</a:t>
             </a:fld>
             <a:endParaRPr lang="en-TW"/>
           </a:p>
@@ -2074,7 +2159,7 @@
     </p:spTree>
     <p:extLst>
       <p:ext uri="{BB962C8B-B14F-4D97-AF65-F5344CB8AC3E}">
-        <p14:creationId xmlns:p14="http://schemas.microsoft.com/office/powerpoint/2010/main" val="1797508559"/>
+        <p14:creationId xmlns:p14="http://schemas.microsoft.com/office/powerpoint/2010/main" val="4286714723"/>
       </p:ext>
     </p:extLst>
   </p:cSld>
@@ -2158,7 +2243,7 @@
     </p:spTree>
     <p:extLst>
       <p:ext uri="{BB962C8B-B14F-4D97-AF65-F5344CB8AC3E}">
-        <p14:creationId xmlns:p14="http://schemas.microsoft.com/office/powerpoint/2010/main" val="4286714723"/>
+        <p14:creationId xmlns:p14="http://schemas.microsoft.com/office/powerpoint/2010/main" val="4085463861"/>
       </p:ext>
     </p:extLst>
   </p:cSld>
@@ -2317,7 +2402,7 @@
           <a:p>
             <a:fld id="{A3414EF8-F8EE-1948-B7F8-CDE2BA55EBA3}" type="datetime1">
               <a:rPr lang="en-US" smtClean="0"/>
-              <a:t>9/5/23</a:t>
+              <a:t>9/7/23</a:t>
             </a:fld>
             <a:endParaRPr lang="en-TW"/>
           </a:p>
@@ -2517,7 +2602,7 @@
           <a:p>
             <a:fld id="{A73D7AD7-2116-5A41-8EDE-6BB6E81970E0}" type="datetime1">
               <a:rPr lang="en-US" smtClean="0"/>
-              <a:t>9/5/23</a:t>
+              <a:t>9/7/23</a:t>
             </a:fld>
             <a:endParaRPr lang="en-TW"/>
           </a:p>
@@ -2727,7 +2812,7 @@
           <a:p>
             <a:fld id="{F8B54AFA-ACA5-D643-AFA2-7E457DD24DF7}" type="datetime1">
               <a:rPr lang="en-US" smtClean="0"/>
-              <a:t>9/5/23</a:t>
+              <a:t>9/7/23</a:t>
             </a:fld>
             <a:endParaRPr lang="en-TW"/>
           </a:p>
@@ -2927,7 +3012,7 @@
           <a:p>
             <a:fld id="{9D5A1D64-0D43-8343-8F3E-0CF7D359B229}" type="datetime1">
               <a:rPr lang="en-US" smtClean="0"/>
-              <a:t>9/5/23</a:t>
+              <a:t>9/7/23</a:t>
             </a:fld>
             <a:endParaRPr lang="en-TW"/>
           </a:p>
@@ -3203,7 +3288,7 @@
           <a:p>
             <a:fld id="{7AADA2B9-C19E-4847-96A2-4C98048AC6CB}" type="datetime1">
               <a:rPr lang="en-US" smtClean="0"/>
-              <a:t>9/5/23</a:t>
+              <a:t>9/7/23</a:t>
             </a:fld>
             <a:endParaRPr lang="en-TW"/>
           </a:p>
@@ -3471,7 +3556,7 @@
           <a:p>
             <a:fld id="{6B0934B1-02FE-FD4D-9B2E-AB7942E9D2EE}" type="datetime1">
               <a:rPr lang="en-US" smtClean="0"/>
-              <a:t>9/5/23</a:t>
+              <a:t>9/7/23</a:t>
             </a:fld>
             <a:endParaRPr lang="en-TW"/>
           </a:p>
@@ -3886,7 +3971,7 @@
           <a:p>
             <a:fld id="{3ECB55BE-0370-354B-B7DC-74287DCA0691}" type="datetime1">
               <a:rPr lang="en-US" smtClean="0"/>
-              <a:t>9/5/23</a:t>
+              <a:t>9/7/23</a:t>
             </a:fld>
             <a:endParaRPr lang="en-TW"/>
           </a:p>
@@ -4028,7 +4113,7 @@
           <a:p>
             <a:fld id="{39E9E947-CD42-C640-AA68-FF39D56394B9}" type="datetime1">
               <a:rPr lang="en-US" smtClean="0"/>
-              <a:t>9/5/23</a:t>
+              <a:t>9/7/23</a:t>
             </a:fld>
             <a:endParaRPr lang="en-TW"/>
           </a:p>
@@ -4141,7 +4226,7 @@
           <a:p>
             <a:fld id="{B3588767-BFAB-074B-897C-98257EF1C28A}" type="datetime1">
               <a:rPr lang="en-US" smtClean="0"/>
-              <a:t>9/5/23</a:t>
+              <a:t>9/7/23</a:t>
             </a:fld>
             <a:endParaRPr lang="en-TW"/>
           </a:p>
@@ -4454,7 +4539,7 @@
           <a:p>
             <a:fld id="{B6DC1063-3940-FF48-A04A-958D086D794C}" type="datetime1">
               <a:rPr lang="en-US" smtClean="0"/>
-              <a:t>9/5/23</a:t>
+              <a:t>9/7/23</a:t>
             </a:fld>
             <a:endParaRPr lang="en-TW"/>
           </a:p>
@@ -4743,7 +4828,7 @@
           <a:p>
             <a:fld id="{DDCCE3AD-49F2-434D-BD1B-37AEE374DAF5}" type="datetime1">
               <a:rPr lang="en-US" smtClean="0"/>
-              <a:t>9/5/23</a:t>
+              <a:t>9/7/23</a:t>
             </a:fld>
             <a:endParaRPr lang="en-TW"/>
           </a:p>
@@ -4986,7 +5071,7 @@
           <a:p>
             <a:fld id="{C44A6C80-6E0D-374C-9F82-A170BB459CEA}" type="datetime1">
               <a:rPr lang="en-US" smtClean="0"/>
-              <a:t>9/5/23</a:t>
+              <a:t>9/7/23</a:t>
             </a:fld>
             <a:endParaRPr lang="en-TW"/>
           </a:p>
@@ -5565,7 +5650,7 @@
           <a:p>
             <a:r>
               <a:rPr lang="en-US" b="1" dirty="0"/>
-              <a:t>Experiment 1</a:t>
+              <a:t>Experiment 1 and 2</a:t>
             </a:r>
             <a:endParaRPr lang="en-TW" b="1" dirty="0"/>
           </a:p>
@@ -5614,8 +5699,8 @@
         </p:nvSpPr>
         <p:spPr>
           <a:xfrm>
-            <a:off x="688622" y="2071162"/>
-            <a:ext cx="10665178" cy="2523768"/>
+            <a:off x="688622" y="1745537"/>
+            <a:ext cx="10665178" cy="4062651"/>
           </a:xfrm>
           <a:prstGeom prst="rect">
             <a:avLst/>
@@ -5815,7 +5900,7 @@
             </a:r>
             <a:r>
               <a:rPr lang="en-TW" sz="2600" dirty="0"/>
-              <a:t>, all about 40% test accuracy</a:t>
+              <a:t>, all about 35~40% test accuracy</a:t>
             </a:r>
           </a:p>
           <a:p>
@@ -5833,15 +5918,91 @@
                   <a:srgbClr val="FF0000"/>
                 </a:solidFill>
               </a:rPr>
-              <a:t>10% test accuracy</a:t>
-            </a:r>
+              <a:t>12% test accuracy</a:t>
+            </a:r>
+          </a:p>
+          <a:p>
+            <a:pPr marL="285750" indent="-285750">
+              <a:buFont typeface="Arial" panose="020B0604020202020204" pitchFamily="34" charset="0"/>
+              <a:buChar char="•"/>
+            </a:pPr>
+            <a:endParaRPr lang="en-TW" sz="2600" dirty="0">
+              <a:solidFill>
+                <a:srgbClr val="FF0000"/>
+              </a:solidFill>
+            </a:endParaRPr>
+          </a:p>
+          <a:p>
+            <a:pPr marL="285750" indent="-285750">
+              <a:buFont typeface="Arial" panose="020B0604020202020204" pitchFamily="34" charset="0"/>
+              <a:buChar char="•"/>
+            </a:pPr>
+            <a:r>
+              <a:rPr lang="en-TW" sz="2600" dirty="0"/>
+              <a:t>Experiment 1 and 2 have similar performance </a:t>
+            </a:r>
+          </a:p>
+          <a:p>
+            <a:pPr marL="742950" lvl="1" indent="-285750">
+              <a:buFont typeface="Arial" panose="020B0604020202020204" pitchFamily="34" charset="0"/>
+              <a:buChar char="•"/>
+            </a:pPr>
+            <a:r>
+              <a:rPr lang="en-TW" sz="2400" dirty="0">
+                <a:sym typeface="Wingdings" pitchFamily="2" charset="2"/>
+              </a:rPr>
+              <a:t>since benign only has 1000 graph </a:t>
+            </a:r>
+            <a:r>
+              <a:rPr lang="en-TW" sz="2200" dirty="0">
+                <a:sym typeface="Wingdings" pitchFamily="2" charset="2"/>
+              </a:rPr>
+              <a:t></a:t>
+            </a:r>
+            <a:r>
+              <a:rPr lang="en-TW" sz="2400" dirty="0">
+                <a:sym typeface="Wingdings" pitchFamily="2" charset="2"/>
+              </a:rPr>
+              <a:t> kind of balance</a:t>
+            </a:r>
+          </a:p>
+          <a:p>
+            <a:pPr marL="742950" lvl="1" indent="-285750">
+              <a:buFont typeface="Arial" panose="020B0604020202020204" pitchFamily="34" charset="0"/>
+              <a:buChar char="•"/>
+            </a:pPr>
+            <a:r>
+              <a:rPr lang="en-US" sz="2400" dirty="0">
+                <a:sym typeface="Wingdings" pitchFamily="2" charset="2"/>
+              </a:rPr>
+              <a:t>I</a:t>
+            </a:r>
+            <a:r>
+              <a:rPr lang="en-TW" sz="2400" dirty="0">
+                <a:sym typeface="Wingdings" pitchFamily="2" charset="2"/>
+              </a:rPr>
+              <a:t>f we make the benign graph much more than AP(real data) </a:t>
+            </a:r>
+            <a:r>
+              <a:rPr lang="en-TW" sz="2200" dirty="0">
+                <a:sym typeface="Wingdings" pitchFamily="2" charset="2"/>
+              </a:rPr>
+              <a:t></a:t>
+            </a:r>
+            <a:r>
+              <a:rPr lang="en-TW" sz="2400" dirty="0">
+                <a:sym typeface="Wingdings" pitchFamily="2" charset="2"/>
+              </a:rPr>
+              <a:t> imbalance</a:t>
+            </a:r>
+            <a:endParaRPr lang="en-TW" sz="2400" dirty="0"/>
           </a:p>
         </p:txBody>
       </p:sp>
     </p:spTree>
     <p:extLst>
       <p:ext uri="{BB962C8B-B14F-4D97-AF65-F5344CB8AC3E}">
-        <p14:creationId xmlns:p14="http://schemas.microsoft.com/office/powerpoint/2010/main" val="2595922396"/>
+        <p14:creationId xmlns:p14="http://schemas.microsoft.com/office/powerpoint/2010/main" val="2860594011"/>
       </p:ext>
     </p:extLst>
   </p:cSld>
@@ -5885,32 +6046,38 @@
           <p:cNvPr id="2" name="Title 1">
             <a:extLst>
               <a:ext uri="{FF2B5EF4-FFF2-40B4-BE49-F238E27FC236}">
-                <a16:creationId xmlns:a16="http://schemas.microsoft.com/office/drawing/2014/main" id="{2B533BED-E48C-5E7F-2273-C55CCE98516B}"/>
-              </a:ext>
-            </a:extLst>
-          </p:cNvPr>
-          <p:cNvSpPr>
-            <a:spLocks noGrp="1"/>
-          </p:cNvSpPr>
-          <p:nvPr>
-            <p:ph type="title"/>
+                <a16:creationId xmlns:a16="http://schemas.microsoft.com/office/drawing/2014/main" id="{2D1F1D5D-BC21-FE6C-199A-114DD8A93B70}"/>
+              </a:ext>
+            </a:extLst>
+          </p:cNvPr>
+          <p:cNvSpPr>
+            <a:spLocks noGrp="1"/>
+          </p:cNvSpPr>
+          <p:nvPr>
+            <p:ph type="ctrTitle"/>
           </p:nvPr>
         </p:nvSpPr>
         <p:spPr>
           <a:xfrm>
-            <a:off x="366079" y="273051"/>
-            <a:ext cx="10515600" cy="1325563"/>
+            <a:off x="1056289" y="1500931"/>
+            <a:ext cx="10079421" cy="2387600"/>
           </a:xfrm>
         </p:spPr>
         <p:txBody>
-          <a:bodyPr/>
-          <a:lstStyle/>
-          <a:p>
-            <a:r>
-              <a:rPr lang="en-US" b="1" dirty="0"/>
-              <a:t>Experiment 2</a:t>
-            </a:r>
-            <a:endParaRPr lang="en-TW" b="1" dirty="0"/>
+          <a:bodyPr>
+            <a:normAutofit/>
+          </a:bodyPr>
+          <a:lstStyle/>
+          <a:p>
+            <a:pPr>
+              <a:lnSpc>
+                <a:spcPct val="110000"/>
+              </a:lnSpc>
+            </a:pPr>
+            <a:r>
+              <a:rPr lang="en-TW" sz="4800" b="1" dirty="0"/>
+              <a:t>Experiment 3</a:t>
+            </a:r>
           </a:p>
         </p:txBody>
       </p:sp>
@@ -5919,7 +6086,7 @@
           <p:cNvPr id="4" name="Slide Number Placeholder 3">
             <a:extLst>
               <a:ext uri="{FF2B5EF4-FFF2-40B4-BE49-F238E27FC236}">
-                <a16:creationId xmlns:a16="http://schemas.microsoft.com/office/drawing/2014/main" id="{5CD44B9F-7DE8-0932-BD70-B0BA453E653B}"/>
+                <a16:creationId xmlns:a16="http://schemas.microsoft.com/office/drawing/2014/main" id="{2BC4D631-FD05-0882-9331-7401BF92027E}"/>
               </a:ext>
             </a:extLst>
           </p:cNvPr>
@@ -5939,252 +6106,14 @@
               <a:rPr lang="en-TW" smtClean="0"/>
               <a:t>11</a:t>
             </a:fld>
-            <a:endParaRPr lang="en-TW" dirty="0"/>
-          </a:p>
-        </p:txBody>
-      </p:sp>
-      <p:sp>
-        <p:nvSpPr>
-          <p:cNvPr id="3" name="TextBox 2">
-            <a:extLst>
-              <a:ext uri="{FF2B5EF4-FFF2-40B4-BE49-F238E27FC236}">
-                <a16:creationId xmlns:a16="http://schemas.microsoft.com/office/drawing/2014/main" id="{D0F20B32-F160-EF09-F6B3-E796CBC92447}"/>
-              </a:ext>
-            </a:extLst>
-          </p:cNvPr>
-          <p:cNvSpPr txBox="1"/>
-          <p:nvPr/>
-        </p:nvSpPr>
-        <p:spPr>
-          <a:xfrm>
-            <a:off x="688622" y="1996548"/>
-            <a:ext cx="10665178" cy="2523768"/>
-          </a:xfrm>
-          <a:prstGeom prst="rect">
-            <a:avLst/>
-          </a:prstGeom>
-          <a:noFill/>
-        </p:spPr>
-        <p:txBody>
-          <a:bodyPr wrap="square" rtlCol="0">
-            <a:spAutoFit/>
-          </a:bodyPr>
-          <a:lstStyle/>
-          <a:p>
-            <a:pPr marL="285750" indent="-285750">
-              <a:buFont typeface="Arial" panose="020B0604020202020204" pitchFamily="34" charset="0"/>
-              <a:buChar char="•"/>
-            </a:pPr>
-            <a:r>
-              <a:rPr lang="en-US" sz="2600" dirty="0"/>
-              <a:t>T</a:t>
-            </a:r>
-            <a:r>
-              <a:rPr lang="en-TW" sz="2600" dirty="0"/>
-              <a:t>otal: 25 epochs</a:t>
-            </a:r>
-          </a:p>
-          <a:p>
-            <a:pPr marL="742950" lvl="1" indent="-285750">
-              <a:buFont typeface="Arial" panose="020B0604020202020204" pitchFamily="34" charset="0"/>
-              <a:buChar char="•"/>
-            </a:pPr>
-            <a:r>
-              <a:rPr lang="en-US" sz="2000" dirty="0"/>
-              <a:t>O</a:t>
-            </a:r>
-            <a:r>
-              <a:rPr lang="en-US" sz="2000" dirty="0">
-                <a:effectLst/>
-              </a:rPr>
-              <a:t>ptimizer</a:t>
-            </a:r>
-            <a:r>
-              <a:rPr lang="en-US" sz="2000" dirty="0"/>
-              <a:t> </a:t>
-            </a:r>
-            <a:r>
-              <a:rPr lang="en-US" sz="2000" b="1" dirty="0">
-                <a:effectLst/>
-              </a:rPr>
-              <a:t>=</a:t>
-            </a:r>
-            <a:r>
-              <a:rPr lang="en-US" sz="2000" dirty="0"/>
-              <a:t> </a:t>
-            </a:r>
-            <a:r>
-              <a:rPr lang="en-US" sz="2000" dirty="0" err="1">
-                <a:effectLst/>
-              </a:rPr>
-              <a:t>AdamW</a:t>
-            </a:r>
-            <a:r>
-              <a:rPr lang="en-US" sz="2000" dirty="0">
-                <a:effectLst/>
-              </a:rPr>
-              <a:t>(</a:t>
-            </a:r>
-            <a:r>
-              <a:rPr lang="en-US" sz="2000" dirty="0" err="1">
-                <a:effectLst/>
-              </a:rPr>
-              <a:t>model</a:t>
-            </a:r>
-            <a:r>
-              <a:rPr lang="en-US" sz="2000" b="1" dirty="0" err="1">
-                <a:effectLst/>
-              </a:rPr>
-              <a:t>.</a:t>
-            </a:r>
-            <a:r>
-              <a:rPr lang="en-US" sz="2000" dirty="0" err="1">
-                <a:effectLst/>
-              </a:rPr>
-              <a:t>parameters</a:t>
-            </a:r>
-            <a:r>
-              <a:rPr lang="en-US" sz="2000" dirty="0">
-                <a:effectLst/>
-              </a:rPr>
-              <a:t>(),</a:t>
-            </a:r>
-            <a:r>
-              <a:rPr lang="en-US" sz="2000" dirty="0"/>
-              <a:t> </a:t>
-            </a:r>
-            <a:r>
-              <a:rPr lang="en-US" sz="2000" dirty="0" err="1">
-                <a:effectLst/>
-              </a:rPr>
-              <a:t>lr</a:t>
-            </a:r>
-            <a:r>
-              <a:rPr lang="en-US" sz="2000" b="1" dirty="0">
-                <a:effectLst/>
-              </a:rPr>
-              <a:t>=</a:t>
-            </a:r>
-            <a:r>
-              <a:rPr lang="en-US" sz="2000" dirty="0">
-                <a:effectLst/>
-              </a:rPr>
-              <a:t>5e-4)</a:t>
-            </a:r>
-          </a:p>
-          <a:p>
-            <a:pPr marL="742950" lvl="1" indent="-285750">
-              <a:buFont typeface="Arial" panose="020B0604020202020204" pitchFamily="34" charset="0"/>
-              <a:buChar char="•"/>
-            </a:pPr>
-            <a:r>
-              <a:rPr lang="en-US" sz="2000" dirty="0"/>
-              <a:t>C</a:t>
-            </a:r>
-            <a:r>
-              <a:rPr lang="en-US" sz="2000" dirty="0">
-                <a:effectLst/>
-              </a:rPr>
-              <a:t>riterion</a:t>
-            </a:r>
-            <a:r>
-              <a:rPr lang="en-US" sz="2000" dirty="0"/>
-              <a:t> </a:t>
-            </a:r>
-            <a:r>
-              <a:rPr lang="en-US" sz="2000" b="1" dirty="0">
-                <a:effectLst/>
-              </a:rPr>
-              <a:t>=</a:t>
-            </a:r>
-            <a:r>
-              <a:rPr lang="en-US" sz="2000" dirty="0"/>
-              <a:t> </a:t>
-            </a:r>
-            <a:r>
-              <a:rPr lang="en-US" sz="2000" dirty="0" err="1">
-                <a:effectLst/>
-              </a:rPr>
-              <a:t>nn</a:t>
-            </a:r>
-            <a:r>
-              <a:rPr lang="en-US" sz="2000" b="1" dirty="0" err="1">
-                <a:effectLst/>
-              </a:rPr>
-              <a:t>.</a:t>
-            </a:r>
-            <a:r>
-              <a:rPr lang="en-US" sz="2000" dirty="0" err="1">
-                <a:effectLst/>
-              </a:rPr>
-              <a:t>CrossEntropyLoss</a:t>
-            </a:r>
-            <a:r>
-              <a:rPr lang="en-US" sz="2000" dirty="0">
-                <a:effectLst/>
-              </a:rPr>
-              <a:t>()</a:t>
-            </a:r>
-          </a:p>
-          <a:p>
-            <a:pPr marL="742950" lvl="1" indent="-285750">
-              <a:buFont typeface="Arial" panose="020B0604020202020204" pitchFamily="34" charset="0"/>
-              <a:buChar char="•"/>
-            </a:pPr>
-            <a:r>
-              <a:rPr lang="en-US" sz="2000" dirty="0"/>
-              <a:t>Batch size = 4</a:t>
-            </a:r>
-          </a:p>
-          <a:p>
-            <a:pPr marL="742950" lvl="1" indent="-285750">
-              <a:buFont typeface="Arial" panose="020B0604020202020204" pitchFamily="34" charset="0"/>
-              <a:buChar char="•"/>
-            </a:pPr>
-            <a:endParaRPr lang="en-TW" sz="2000" dirty="0"/>
-          </a:p>
-          <a:p>
-            <a:pPr marL="285750" indent="-285750">
-              <a:buFont typeface="Arial" panose="020B0604020202020204" pitchFamily="34" charset="0"/>
-              <a:buChar char="•"/>
-            </a:pPr>
-            <a:r>
-              <a:rPr lang="en-TW" sz="2600" dirty="0"/>
-              <a:t>Except </a:t>
-            </a:r>
-            <a:r>
-              <a:rPr lang="en-TW" sz="2600" b="1" dirty="0"/>
-              <a:t>secureBERT</a:t>
-            </a:r>
-            <a:r>
-              <a:rPr lang="en-TW" sz="2600" dirty="0"/>
-              <a:t>, all about 40% test accuracy</a:t>
-            </a:r>
-          </a:p>
-          <a:p>
-            <a:pPr marL="285750" indent="-285750">
-              <a:buFont typeface="Arial" panose="020B0604020202020204" pitchFamily="34" charset="0"/>
-              <a:buChar char="•"/>
-            </a:pPr>
-            <a:r>
-              <a:rPr lang="en-TW" sz="2600" dirty="0"/>
-              <a:t>secureBERT family  ≈ </a:t>
-            </a:r>
-            <a:r>
-              <a:rPr lang="en-TW" sz="2600" dirty="0">
-                <a:solidFill>
-                  <a:srgbClr val="FF0000"/>
-                </a:solidFill>
-              </a:rPr>
-              <a:t>10% test accuracy</a:t>
-            </a:r>
+            <a:endParaRPr lang="en-TW"/>
           </a:p>
         </p:txBody>
       </p:sp>
     </p:spTree>
     <p:extLst>
       <p:ext uri="{BB962C8B-B14F-4D97-AF65-F5344CB8AC3E}">
-        <p14:creationId xmlns:p14="http://schemas.microsoft.com/office/powerpoint/2010/main" val="2860594011"/>
+        <p14:creationId xmlns:p14="http://schemas.microsoft.com/office/powerpoint/2010/main" val="1557859825"/>
       </p:ext>
     </p:extLst>
   </p:cSld>
@@ -6228,36 +6157,29 @@
           <p:cNvPr id="2" name="Title 1">
             <a:extLst>
               <a:ext uri="{FF2B5EF4-FFF2-40B4-BE49-F238E27FC236}">
-                <a16:creationId xmlns:a16="http://schemas.microsoft.com/office/drawing/2014/main" id="{2D1F1D5D-BC21-FE6C-199A-114DD8A93B70}"/>
-              </a:ext>
-            </a:extLst>
-          </p:cNvPr>
-          <p:cNvSpPr>
-            <a:spLocks noGrp="1"/>
-          </p:cNvSpPr>
-          <p:nvPr>
-            <p:ph type="ctrTitle"/>
+                <a16:creationId xmlns:a16="http://schemas.microsoft.com/office/drawing/2014/main" id="{2B533BED-E48C-5E7F-2273-C55CCE98516B}"/>
+              </a:ext>
+            </a:extLst>
+          </p:cNvPr>
+          <p:cNvSpPr>
+            <a:spLocks noGrp="1"/>
+          </p:cNvSpPr>
+          <p:nvPr>
+            <p:ph type="title"/>
           </p:nvPr>
         </p:nvSpPr>
         <p:spPr>
           <a:xfrm>
-            <a:off x="1056289" y="1500931"/>
-            <a:ext cx="10079421" cy="2387600"/>
+            <a:off x="366079" y="86444"/>
+            <a:ext cx="10515600" cy="1325563"/>
           </a:xfrm>
         </p:spPr>
         <p:txBody>
-          <a:bodyPr>
-            <a:normAutofit/>
-          </a:bodyPr>
-          <a:lstStyle/>
-          <a:p>
-            <a:pPr>
-              <a:lnSpc>
-                <a:spcPct val="110000"/>
-              </a:lnSpc>
-            </a:pPr>
-            <a:r>
-              <a:rPr lang="en-TW" sz="4800" b="1" dirty="0"/>
+          <a:bodyPr/>
+          <a:lstStyle/>
+          <a:p>
+            <a:r>
+              <a:rPr lang="en-TW" b="1" dirty="0"/>
               <a:t>Experiment 3</a:t>
             </a:r>
           </a:p>
@@ -6268,7 +6190,7 @@
           <p:cNvPr id="4" name="Slide Number Placeholder 3">
             <a:extLst>
               <a:ext uri="{FF2B5EF4-FFF2-40B4-BE49-F238E27FC236}">
-                <a16:creationId xmlns:a16="http://schemas.microsoft.com/office/drawing/2014/main" id="{2BC4D631-FD05-0882-9331-7401BF92027E}"/>
+                <a16:creationId xmlns:a16="http://schemas.microsoft.com/office/drawing/2014/main" id="{5CD44B9F-7DE8-0932-BD70-B0BA453E653B}"/>
               </a:ext>
             </a:extLst>
           </p:cNvPr>
@@ -6288,14 +6210,374 @@
               <a:rPr lang="en-TW" smtClean="0"/>
               <a:t>12</a:t>
             </a:fld>
-            <a:endParaRPr lang="en-TW"/>
+            <a:endParaRPr lang="en-TW" dirty="0"/>
+          </a:p>
+        </p:txBody>
+      </p:sp>
+      <p:sp>
+        <p:nvSpPr>
+          <p:cNvPr id="3" name="TextBox 2">
+            <a:extLst>
+              <a:ext uri="{FF2B5EF4-FFF2-40B4-BE49-F238E27FC236}">
+                <a16:creationId xmlns:a16="http://schemas.microsoft.com/office/drawing/2014/main" id="{4BE68797-CB82-0116-07DD-1366D6F7C47E}"/>
+              </a:ext>
+            </a:extLst>
+          </p:cNvPr>
+          <p:cNvSpPr txBox="1"/>
+          <p:nvPr/>
+        </p:nvSpPr>
+        <p:spPr>
+          <a:xfrm>
+            <a:off x="513227" y="1213008"/>
+            <a:ext cx="11312694" cy="4093428"/>
+          </a:xfrm>
+          <a:prstGeom prst="rect">
+            <a:avLst/>
+          </a:prstGeom>
+          <a:noFill/>
+        </p:spPr>
+        <p:txBody>
+          <a:bodyPr wrap="square" rtlCol="0">
+            <a:spAutoFit/>
+          </a:bodyPr>
+          <a:lstStyle/>
+          <a:p>
+            <a:pPr lvl="1"/>
+            <a:endParaRPr lang="en-TW" sz="2600" dirty="0"/>
+          </a:p>
+          <a:p>
+            <a:pPr marL="457200" indent="-457200">
+              <a:buFont typeface="Arial" panose="020B0604020202020204" pitchFamily="34" charset="0"/>
+              <a:buChar char="•"/>
+            </a:pPr>
+            <a:r>
+              <a:rPr lang="en-TW" sz="2600" b="1" dirty="0"/>
+              <a:t>Experiment 3: </a:t>
+            </a:r>
+          </a:p>
+          <a:p>
+            <a:pPr marL="914400" lvl="1" indent="-457200">
+              <a:buFont typeface="Arial" panose="020B0604020202020204" pitchFamily="34" charset="0"/>
+              <a:buChar char="•"/>
+            </a:pPr>
+            <a:r>
+              <a:rPr lang="en-US" sz="2600" dirty="0"/>
+              <a:t>C</a:t>
+            </a:r>
+            <a:r>
+              <a:rPr lang="en-TW" sz="2600" dirty="0"/>
+              <a:t>onsider the </a:t>
+            </a:r>
+            <a:r>
+              <a:rPr lang="en-TW" sz="2600" b="1" dirty="0"/>
+              <a:t>neighbor</a:t>
+            </a:r>
+            <a:r>
+              <a:rPr lang="en-TW" sz="2600" dirty="0"/>
+              <a:t> benign nodes</a:t>
+            </a:r>
+          </a:p>
+          <a:p>
+            <a:pPr marL="914400" lvl="1" indent="-457200">
+              <a:buFont typeface="Arial" panose="020B0604020202020204" pitchFamily="34" charset="0"/>
+              <a:buChar char="•"/>
+            </a:pPr>
+            <a:r>
+              <a:rPr lang="en-TW" sz="2600" dirty="0"/>
+              <a:t>Edge classification</a:t>
+            </a:r>
+          </a:p>
+          <a:p>
+            <a:pPr marL="1371600" lvl="2" indent="-457200">
+              <a:buFont typeface="Arial" panose="020B0604020202020204" pitchFamily="34" charset="0"/>
+              <a:buChar char="•"/>
+            </a:pPr>
+            <a:r>
+              <a:rPr lang="en-TW" sz="2000" dirty="0"/>
+              <a:t>I think it’s more like an triplet classification?</a:t>
+            </a:r>
+          </a:p>
+          <a:p>
+            <a:pPr marL="914400" lvl="1" indent="-457200">
+              <a:buFont typeface="Arial" panose="020B0604020202020204" pitchFamily="34" charset="0"/>
+              <a:buChar char="•"/>
+            </a:pPr>
+            <a:endParaRPr lang="en-US" sz="2600" dirty="0"/>
+          </a:p>
+          <a:p>
+            <a:pPr marL="914400" lvl="1" indent="-457200">
+              <a:buFont typeface="Arial" panose="020B0604020202020204" pitchFamily="34" charset="0"/>
+              <a:buChar char="•"/>
+            </a:pPr>
+            <a:r>
+              <a:rPr lang="en-US" sz="2600" dirty="0"/>
+              <a:t>Given a graph </a:t>
+            </a:r>
+            <a:r>
+              <a:rPr lang="en-US" sz="2400" dirty="0">
+                <a:sym typeface="Wingdings" pitchFamily="2" charset="2"/>
+              </a:rPr>
+              <a:t></a:t>
+            </a:r>
+            <a:r>
+              <a:rPr lang="en-US" sz="2600" dirty="0">
+                <a:sym typeface="Wingdings" pitchFamily="2" charset="2"/>
+              </a:rPr>
+              <a:t> label the triplets</a:t>
+            </a:r>
+          </a:p>
+          <a:p>
+            <a:pPr lvl="1"/>
+            <a:r>
+              <a:rPr lang="en-US" sz="2600" dirty="0">
+                <a:sym typeface="Wingdings" pitchFamily="2" charset="2"/>
+              </a:rPr>
+              <a:t>	with the benign or the specific AP</a:t>
+            </a:r>
+            <a:endParaRPr lang="en-TW" sz="2600" dirty="0"/>
+          </a:p>
+          <a:p>
+            <a:pPr marL="914400" lvl="1" indent="-457200">
+              <a:buFont typeface="Arial" panose="020B0604020202020204" pitchFamily="34" charset="0"/>
+              <a:buChar char="•"/>
+            </a:pPr>
+            <a:endParaRPr lang="en-TW" sz="2600" dirty="0"/>
+          </a:p>
+          <a:p>
+            <a:pPr marL="914400" lvl="1" indent="-457200">
+              <a:buFont typeface="Arial" panose="020B0604020202020204" pitchFamily="34" charset="0"/>
+              <a:buChar char="•"/>
+            </a:pPr>
+            <a:endParaRPr lang="en-US" sz="2600" dirty="0"/>
+          </a:p>
+        </p:txBody>
+      </p:sp>
+      <p:pic>
+        <p:nvPicPr>
+          <p:cNvPr id="7" name="Picture 6">
+            <a:extLst>
+              <a:ext uri="{FF2B5EF4-FFF2-40B4-BE49-F238E27FC236}">
+                <a16:creationId xmlns:a16="http://schemas.microsoft.com/office/drawing/2014/main" id="{339AB3FA-BB6B-E4C8-8145-FDEBB61DE75B}"/>
+              </a:ext>
+            </a:extLst>
+          </p:cNvPr>
+          <p:cNvPicPr>
+            <a:picLocks noChangeAspect="1"/>
+          </p:cNvPicPr>
+          <p:nvPr/>
+        </p:nvPicPr>
+        <p:blipFill>
+          <a:blip r:embed="rId3"/>
+          <a:stretch>
+            <a:fillRect/>
+          </a:stretch>
+        </p:blipFill>
+        <p:spPr>
+          <a:xfrm>
+            <a:off x="6969012" y="1930400"/>
+            <a:ext cx="4242867" cy="3312663"/>
+          </a:xfrm>
+          <a:prstGeom prst="rect">
+            <a:avLst/>
+          </a:prstGeom>
+        </p:spPr>
+      </p:pic>
+      <p:sp>
+        <p:nvSpPr>
+          <p:cNvPr id="5" name="TextBox 4">
+            <a:extLst>
+              <a:ext uri="{FF2B5EF4-FFF2-40B4-BE49-F238E27FC236}">
+                <a16:creationId xmlns:a16="http://schemas.microsoft.com/office/drawing/2014/main" id="{858F98B8-0069-83E5-49F9-BF1FDC1B0337}"/>
+              </a:ext>
+            </a:extLst>
+          </p:cNvPr>
+          <p:cNvSpPr txBox="1"/>
+          <p:nvPr/>
+        </p:nvSpPr>
+        <p:spPr>
+          <a:xfrm>
+            <a:off x="7611533" y="3059668"/>
+            <a:ext cx="827471" cy="369332"/>
+          </a:xfrm>
+          <a:prstGeom prst="rect">
+            <a:avLst/>
+          </a:prstGeom>
+          <a:noFill/>
+        </p:spPr>
+        <p:txBody>
+          <a:bodyPr wrap="none" rtlCol="0">
+            <a:spAutoFit/>
+          </a:bodyPr>
+          <a:lstStyle/>
+          <a:p>
+            <a:r>
+              <a:rPr lang="en-TW" dirty="0"/>
+              <a:t>benign</a:t>
+            </a:r>
+          </a:p>
+        </p:txBody>
+      </p:sp>
+      <p:sp>
+        <p:nvSpPr>
+          <p:cNvPr id="8" name="TextBox 7">
+            <a:extLst>
+              <a:ext uri="{FF2B5EF4-FFF2-40B4-BE49-F238E27FC236}">
+                <a16:creationId xmlns:a16="http://schemas.microsoft.com/office/drawing/2014/main" id="{11F8FDF4-AECB-8DDD-5292-1D64EE905306}"/>
+              </a:ext>
+            </a:extLst>
+          </p:cNvPr>
+          <p:cNvSpPr txBox="1"/>
+          <p:nvPr/>
+        </p:nvSpPr>
+        <p:spPr>
+          <a:xfrm>
+            <a:off x="8915400" y="3059668"/>
+            <a:ext cx="1173719" cy="369332"/>
+          </a:xfrm>
+          <a:prstGeom prst="rect">
+            <a:avLst/>
+          </a:prstGeom>
+          <a:noFill/>
+        </p:spPr>
+        <p:txBody>
+          <a:bodyPr wrap="none" rtlCol="0">
+            <a:spAutoFit/>
+          </a:bodyPr>
+          <a:lstStyle/>
+          <a:p>
+            <a:r>
+              <a:rPr lang="en-TW" dirty="0"/>
+              <a:t>T1003.001</a:t>
+            </a:r>
+          </a:p>
+        </p:txBody>
+      </p:sp>
+      <p:pic>
+        <p:nvPicPr>
+          <p:cNvPr id="6" name="Picture 5">
+            <a:extLst>
+              <a:ext uri="{FF2B5EF4-FFF2-40B4-BE49-F238E27FC236}">
+                <a16:creationId xmlns:a16="http://schemas.microsoft.com/office/drawing/2014/main" id="{86B9C09D-CF06-58D7-C336-9DC96AE6462A}"/>
+              </a:ext>
+            </a:extLst>
+          </p:cNvPr>
+          <p:cNvPicPr>
+            <a:picLocks noChangeAspect="1"/>
+          </p:cNvPicPr>
+          <p:nvPr/>
+        </p:nvPicPr>
+        <p:blipFill>
+          <a:blip r:embed="rId4"/>
+          <a:stretch>
+            <a:fillRect/>
+          </a:stretch>
+        </p:blipFill>
+        <p:spPr>
+          <a:xfrm>
+            <a:off x="1101665" y="5306436"/>
+            <a:ext cx="1840829" cy="714675"/>
+          </a:xfrm>
+          <a:prstGeom prst="rect">
+            <a:avLst/>
+          </a:prstGeom>
+        </p:spPr>
+      </p:pic>
+      <p:sp>
+        <p:nvSpPr>
+          <p:cNvPr id="9" name="TextBox 8">
+            <a:extLst>
+              <a:ext uri="{FF2B5EF4-FFF2-40B4-BE49-F238E27FC236}">
+                <a16:creationId xmlns:a16="http://schemas.microsoft.com/office/drawing/2014/main" id="{CB12EDE4-BBB2-5F52-C986-9AA497FD07F6}"/>
+              </a:ext>
+            </a:extLst>
+          </p:cNvPr>
+          <p:cNvSpPr txBox="1"/>
+          <p:nvPr/>
+        </p:nvSpPr>
+        <p:spPr>
+          <a:xfrm>
+            <a:off x="980121" y="4946572"/>
+            <a:ext cx="1538113" cy="369332"/>
+          </a:xfrm>
+          <a:prstGeom prst="rect">
+            <a:avLst/>
+          </a:prstGeom>
+          <a:noFill/>
+        </p:spPr>
+        <p:txBody>
+          <a:bodyPr wrap="none" rtlCol="0">
+            <a:spAutoFit/>
+          </a:bodyPr>
+          <a:lstStyle/>
+          <a:p>
+            <a:r>
+              <a:rPr lang="en-TW" dirty="0"/>
+              <a:t>Source txt file:</a:t>
+            </a:r>
+          </a:p>
+        </p:txBody>
+      </p:sp>
+      <p:sp>
+        <p:nvSpPr>
+          <p:cNvPr id="10" name="TextBox 9">
+            <a:extLst>
+              <a:ext uri="{FF2B5EF4-FFF2-40B4-BE49-F238E27FC236}">
+                <a16:creationId xmlns:a16="http://schemas.microsoft.com/office/drawing/2014/main" id="{5A4E84A1-D90E-EDA5-AFE9-371512DE776B}"/>
+              </a:ext>
+            </a:extLst>
+          </p:cNvPr>
+          <p:cNvSpPr txBox="1"/>
+          <p:nvPr/>
+        </p:nvSpPr>
+        <p:spPr>
+          <a:xfrm>
+            <a:off x="3064038" y="5396607"/>
+            <a:ext cx="2629181" cy="646331"/>
+          </a:xfrm>
+          <a:prstGeom prst="rect">
+            <a:avLst/>
+          </a:prstGeom>
+          <a:noFill/>
+        </p:spPr>
+        <p:txBody>
+          <a:bodyPr wrap="none" rtlCol="0">
+            <a:spAutoFit/>
+          </a:bodyPr>
+          <a:lstStyle/>
+          <a:p>
+            <a:pPr marL="285750" indent="-285750">
+              <a:buFont typeface="Arial" panose="020B0604020202020204" pitchFamily="34" charset="0"/>
+              <a:buChar char="•"/>
+            </a:pPr>
+            <a:r>
+              <a:rPr lang="en-US" dirty="0"/>
+              <a:t>a</a:t>
+            </a:r>
+            <a:r>
+              <a:rPr lang="en-TW" dirty="0"/>
+              <a:t> means attack pattern</a:t>
+            </a:r>
+          </a:p>
+          <a:p>
+            <a:pPr marL="285750" indent="-285750">
+              <a:buFont typeface="Arial" panose="020B0604020202020204" pitchFamily="34" charset="0"/>
+              <a:buChar char="•"/>
+            </a:pPr>
+            <a:r>
+              <a:rPr lang="en-US" dirty="0"/>
+              <a:t>b</a:t>
+            </a:r>
+            <a:r>
+              <a:rPr lang="en-TW" dirty="0"/>
+              <a:t> means benign</a:t>
+            </a:r>
           </a:p>
         </p:txBody>
       </p:sp>
     </p:spTree>
     <p:extLst>
       <p:ext uri="{BB962C8B-B14F-4D97-AF65-F5344CB8AC3E}">
-        <p14:creationId xmlns:p14="http://schemas.microsoft.com/office/powerpoint/2010/main" val="1557859825"/>
+        <p14:creationId xmlns:p14="http://schemas.microsoft.com/office/powerpoint/2010/main" val="4062315407"/>
       </p:ext>
     </p:extLst>
   </p:cSld>
@@ -6352,7 +6634,7 @@
         </p:nvSpPr>
         <p:spPr>
           <a:xfrm>
-            <a:off x="366079" y="86444"/>
+            <a:off x="366079" y="273051"/>
             <a:ext cx="10515600" cy="1325563"/>
           </a:xfrm>
         </p:spPr>
@@ -6362,7 +6644,7 @@
           <a:p>
             <a:r>
               <a:rPr lang="en-TW" b="1" dirty="0"/>
-              <a:t>Experiment 3</a:t>
+              <a:t>Dataset</a:t>
             </a:r>
           </a:p>
         </p:txBody>
@@ -6396,150 +6678,12 @@
           </a:p>
         </p:txBody>
       </p:sp>
-      <p:sp>
-        <p:nvSpPr>
-          <p:cNvPr id="3" name="TextBox 2">
-            <a:extLst>
-              <a:ext uri="{FF2B5EF4-FFF2-40B4-BE49-F238E27FC236}">
-                <a16:creationId xmlns:a16="http://schemas.microsoft.com/office/drawing/2014/main" id="{4BE68797-CB82-0116-07DD-1366D6F7C47E}"/>
-              </a:ext>
-            </a:extLst>
-          </p:cNvPr>
-          <p:cNvSpPr txBox="1"/>
-          <p:nvPr/>
-        </p:nvSpPr>
-        <p:spPr>
-          <a:xfrm>
-            <a:off x="513227" y="1213008"/>
-            <a:ext cx="11312694" cy="4093428"/>
-          </a:xfrm>
-          <a:prstGeom prst="rect">
-            <a:avLst/>
-          </a:prstGeom>
-          <a:noFill/>
-        </p:spPr>
-        <p:txBody>
-          <a:bodyPr wrap="square" rtlCol="0">
-            <a:spAutoFit/>
-          </a:bodyPr>
-          <a:lstStyle/>
-          <a:p>
-            <a:pPr lvl="1"/>
-            <a:endParaRPr lang="en-TW" sz="2600" dirty="0"/>
-          </a:p>
-          <a:p>
-            <a:pPr marL="457200" indent="-457200">
-              <a:buFont typeface="Arial" panose="020B0604020202020204" pitchFamily="34" charset="0"/>
-              <a:buChar char="•"/>
-            </a:pPr>
-            <a:r>
-              <a:rPr lang="en-TW" sz="2600" b="1" dirty="0"/>
-              <a:t>Experiment 3: </a:t>
-            </a:r>
-          </a:p>
-          <a:p>
-            <a:pPr marL="914400" lvl="1" indent="-457200">
-              <a:buFont typeface="Arial" panose="020B0604020202020204" pitchFamily="34" charset="0"/>
-              <a:buChar char="•"/>
-            </a:pPr>
-            <a:r>
-              <a:rPr lang="en-US" sz="2600" dirty="0"/>
-              <a:t>C</a:t>
-            </a:r>
-            <a:r>
-              <a:rPr lang="en-TW" sz="2600" dirty="0"/>
-              <a:t>onsider the </a:t>
-            </a:r>
-            <a:r>
-              <a:rPr lang="en-TW" sz="2600" b="1" dirty="0"/>
-              <a:t>neighbor</a:t>
-            </a:r>
-            <a:r>
-              <a:rPr lang="en-TW" sz="2600" dirty="0"/>
-              <a:t> benign nodes</a:t>
-            </a:r>
-          </a:p>
-          <a:p>
-            <a:pPr marL="914400" lvl="1" indent="-457200">
-              <a:buFont typeface="Arial" panose="020B0604020202020204" pitchFamily="34" charset="0"/>
-              <a:buChar char="•"/>
-            </a:pPr>
-            <a:r>
-              <a:rPr lang="en-TW" sz="2600" dirty="0"/>
-              <a:t>Edge classification</a:t>
-            </a:r>
-          </a:p>
-          <a:p>
-            <a:pPr marL="1371600" lvl="2" indent="-457200">
-              <a:buFont typeface="Arial" panose="020B0604020202020204" pitchFamily="34" charset="0"/>
-              <a:buChar char="•"/>
-            </a:pPr>
-            <a:r>
-              <a:rPr lang="en-TW" sz="2000" dirty="0"/>
-              <a:t>I think it’s more like an triplet classification?</a:t>
-            </a:r>
-          </a:p>
-          <a:p>
-            <a:pPr marL="914400" lvl="1" indent="-457200">
-              <a:buFont typeface="Arial" panose="020B0604020202020204" pitchFamily="34" charset="0"/>
-              <a:buChar char="•"/>
-            </a:pPr>
-            <a:endParaRPr lang="en-US" sz="2600" dirty="0"/>
-          </a:p>
-          <a:p>
-            <a:pPr marL="914400" lvl="1" indent="-457200">
-              <a:buFont typeface="Arial" panose="020B0604020202020204" pitchFamily="34" charset="0"/>
-              <a:buChar char="•"/>
-            </a:pPr>
-            <a:r>
-              <a:rPr lang="en-US" sz="2600" dirty="0"/>
-              <a:t>Given a graph </a:t>
-            </a:r>
-            <a:r>
-              <a:rPr lang="en-US" sz="2400" dirty="0">
-                <a:sym typeface="Wingdings" pitchFamily="2" charset="2"/>
-              </a:rPr>
-              <a:t></a:t>
-            </a:r>
-            <a:r>
-              <a:rPr lang="en-US" sz="2600" dirty="0">
-                <a:sym typeface="Wingdings" pitchFamily="2" charset="2"/>
-              </a:rPr>
-              <a:t> label the triplets</a:t>
-            </a:r>
-          </a:p>
-          <a:p>
-            <a:pPr lvl="1"/>
-            <a:r>
-              <a:rPr lang="en-US" sz="2600" dirty="0">
-                <a:sym typeface="Wingdings" pitchFamily="2" charset="2"/>
-              </a:rPr>
-              <a:t>	with the benign or the specific AP</a:t>
-            </a:r>
-            <a:endParaRPr lang="en-TW" sz="2600" dirty="0"/>
-          </a:p>
-          <a:p>
-            <a:pPr marL="914400" lvl="1" indent="-457200">
-              <a:buFont typeface="Arial" panose="020B0604020202020204" pitchFamily="34" charset="0"/>
-              <a:buChar char="•"/>
-            </a:pPr>
-            <a:endParaRPr lang="en-TW" sz="2600" dirty="0"/>
-          </a:p>
-          <a:p>
-            <a:pPr marL="914400" lvl="1" indent="-457200">
-              <a:buFont typeface="Arial" panose="020B0604020202020204" pitchFamily="34" charset="0"/>
-              <a:buChar char="•"/>
-            </a:pPr>
-            <a:endParaRPr lang="en-US" sz="2600" dirty="0"/>
-          </a:p>
-        </p:txBody>
-      </p:sp>
       <p:pic>
         <p:nvPicPr>
-          <p:cNvPr id="7" name="Picture 6">
-            <a:extLst>
-              <a:ext uri="{FF2B5EF4-FFF2-40B4-BE49-F238E27FC236}">
-                <a16:creationId xmlns:a16="http://schemas.microsoft.com/office/drawing/2014/main" id="{339AB3FA-BB6B-E4C8-8145-FDEBB61DE75B}"/>
+          <p:cNvPr id="3" name="Picture 2">
+            <a:extLst>
+              <a:ext uri="{FF2B5EF4-FFF2-40B4-BE49-F238E27FC236}">
+                <a16:creationId xmlns:a16="http://schemas.microsoft.com/office/drawing/2014/main" id="{DE076CD4-2412-20C9-A847-517591964E42}"/>
               </a:ext>
             </a:extLst>
           </p:cNvPr>
@@ -6556,8 +6700,8 @@
         </p:blipFill>
         <p:spPr>
           <a:xfrm>
-            <a:off x="6969012" y="1930400"/>
-            <a:ext cx="4242867" cy="3312663"/>
+            <a:off x="624465" y="2036712"/>
+            <a:ext cx="11165546" cy="1155056"/>
           </a:xfrm>
           <a:prstGeom prst="rect">
             <a:avLst/>
@@ -6566,10 +6710,10 @@
       </p:pic>
       <p:sp>
         <p:nvSpPr>
-          <p:cNvPr id="5" name="TextBox 4">
-            <a:extLst>
-              <a:ext uri="{FF2B5EF4-FFF2-40B4-BE49-F238E27FC236}">
-                <a16:creationId xmlns:a16="http://schemas.microsoft.com/office/drawing/2014/main" id="{858F98B8-0069-83E5-49F9-BF1FDC1B0337}"/>
+          <p:cNvPr id="6" name="TextBox 5">
+            <a:extLst>
+              <a:ext uri="{FF2B5EF4-FFF2-40B4-BE49-F238E27FC236}">
+                <a16:creationId xmlns:a16="http://schemas.microsoft.com/office/drawing/2014/main" id="{802D921C-A9CB-24FE-E74B-BC7389A8B502}"/>
               </a:ext>
             </a:extLst>
           </p:cNvPr>
@@ -6578,8 +6722,8 @@
         </p:nvSpPr>
         <p:spPr>
           <a:xfrm>
-            <a:off x="7611533" y="3059668"/>
-            <a:ext cx="827471" cy="369332"/>
+            <a:off x="513227" y="1570052"/>
+            <a:ext cx="4280595" cy="492443"/>
           </a:xfrm>
           <a:prstGeom prst="rect">
             <a:avLst/>
@@ -6593,18 +6737,48 @@
           <a:lstStyle/>
           <a:p>
             <a:r>
-              <a:rPr lang="en-TW" dirty="0"/>
-              <a:t>benign</a:t>
-            </a:r>
-          </a:p>
-        </p:txBody>
-      </p:sp>
-      <p:sp>
-        <p:nvSpPr>
-          <p:cNvPr id="8" name="TextBox 7">
-            <a:extLst>
-              <a:ext uri="{FF2B5EF4-FFF2-40B4-BE49-F238E27FC236}">
-                <a16:creationId xmlns:a16="http://schemas.microsoft.com/office/drawing/2014/main" id="{11F8FDF4-AECB-8DDD-5292-1D64EE905306}"/>
+              <a:rPr lang="en-TW" sz="2600" dirty="0"/>
+              <a:t>Format in experiment 1 and 2:</a:t>
+            </a:r>
+          </a:p>
+        </p:txBody>
+      </p:sp>
+      <p:pic>
+        <p:nvPicPr>
+          <p:cNvPr id="9" name="Picture 8">
+            <a:extLst>
+              <a:ext uri="{FF2B5EF4-FFF2-40B4-BE49-F238E27FC236}">
+                <a16:creationId xmlns:a16="http://schemas.microsoft.com/office/drawing/2014/main" id="{F6C77146-471B-5957-1EEA-D62D2D8B6501}"/>
+              </a:ext>
+            </a:extLst>
+          </p:cNvPr>
+          <p:cNvPicPr>
+            <a:picLocks noChangeAspect="1"/>
+          </p:cNvPicPr>
+          <p:nvPr/>
+        </p:nvPicPr>
+        <p:blipFill>
+          <a:blip r:embed="rId4"/>
+          <a:stretch>
+            <a:fillRect/>
+          </a:stretch>
+        </p:blipFill>
+        <p:spPr>
+          <a:xfrm>
+            <a:off x="624466" y="4494896"/>
+            <a:ext cx="11165546" cy="737246"/>
+          </a:xfrm>
+          <a:prstGeom prst="rect">
+            <a:avLst/>
+          </a:prstGeom>
+        </p:spPr>
+      </p:pic>
+      <p:sp>
+        <p:nvSpPr>
+          <p:cNvPr id="10" name="TextBox 9">
+            <a:extLst>
+              <a:ext uri="{FF2B5EF4-FFF2-40B4-BE49-F238E27FC236}">
+                <a16:creationId xmlns:a16="http://schemas.microsoft.com/office/drawing/2014/main" id="{B3DC7B7C-DB49-328A-A245-582B9C5CF8A5}"/>
               </a:ext>
             </a:extLst>
           </p:cNvPr>
@@ -6613,8 +6787,8 @@
         </p:nvSpPr>
         <p:spPr>
           <a:xfrm>
-            <a:off x="8915400" y="3059668"/>
-            <a:ext cx="1173719" cy="369332"/>
+            <a:off x="513227" y="4033379"/>
+            <a:ext cx="3451842" cy="492443"/>
           </a:xfrm>
           <a:prstGeom prst="rect">
             <a:avLst/>
@@ -6628,16 +6802,193 @@
           <a:lstStyle/>
           <a:p>
             <a:r>
+              <a:rPr lang="en-TW" sz="2600" dirty="0"/>
+              <a:t>Format in experiment 3:</a:t>
+            </a:r>
+          </a:p>
+        </p:txBody>
+      </p:sp>
+      <p:sp>
+        <p:nvSpPr>
+          <p:cNvPr id="15" name="TextBox 14">
+            <a:extLst>
+              <a:ext uri="{FF2B5EF4-FFF2-40B4-BE49-F238E27FC236}">
+                <a16:creationId xmlns:a16="http://schemas.microsoft.com/office/drawing/2014/main" id="{69021861-8DCC-0B20-A16E-2D5875ABCE35}"/>
+              </a:ext>
+            </a:extLst>
+          </p:cNvPr>
+          <p:cNvSpPr txBox="1"/>
+          <p:nvPr/>
+        </p:nvSpPr>
+        <p:spPr>
+          <a:xfrm>
+            <a:off x="563911" y="5327400"/>
+            <a:ext cx="8046690" cy="646331"/>
+          </a:xfrm>
+          <a:prstGeom prst="rect">
+            <a:avLst/>
+          </a:prstGeom>
+          <a:noFill/>
+        </p:spPr>
+        <p:txBody>
+          <a:bodyPr wrap="none" rtlCol="0">
+            <a:spAutoFit/>
+          </a:bodyPr>
+          <a:lstStyle/>
+          <a:p>
+            <a:pPr marL="285750" indent="-285750">
+              <a:buFont typeface="Arial" panose="020B0604020202020204" pitchFamily="34" charset="0"/>
+              <a:buChar char="•"/>
+            </a:pPr>
+            <a:r>
               <a:rPr lang="en-TW" dirty="0"/>
-              <a:t>T1003.001</a:t>
-            </a:r>
+              <a:t>From graph classification to </a:t>
+            </a:r>
+            <a:r>
+              <a:rPr lang="en-TW" b="1" dirty="0"/>
+              <a:t>edge classification</a:t>
+            </a:r>
+            <a:r>
+              <a:rPr lang="en-TW" dirty="0"/>
+              <a:t>, which is </a:t>
+            </a:r>
+            <a:r>
+              <a:rPr lang="en-TW" b="1" dirty="0"/>
+              <a:t>multi-label</a:t>
+            </a:r>
+            <a:r>
+              <a:rPr lang="en-TW" dirty="0"/>
+              <a:t> classification</a:t>
+            </a:r>
+          </a:p>
+          <a:p>
+            <a:pPr marL="285750" indent="-285750">
+              <a:buFont typeface="Arial" panose="020B0604020202020204" pitchFamily="34" charset="0"/>
+              <a:buChar char="•"/>
+            </a:pPr>
+            <a:r>
+              <a:rPr lang="en-TW" dirty="0"/>
+              <a:t># of labels = # of triplets</a:t>
+            </a:r>
+          </a:p>
+        </p:txBody>
+      </p:sp>
+      <p:sp>
+        <p:nvSpPr>
+          <p:cNvPr id="16" name="Down Arrow 15">
+            <a:extLst>
+              <a:ext uri="{FF2B5EF4-FFF2-40B4-BE49-F238E27FC236}">
+                <a16:creationId xmlns:a16="http://schemas.microsoft.com/office/drawing/2014/main" id="{E7A76E17-1AAB-6819-054E-851F3F8D0208}"/>
+              </a:ext>
+            </a:extLst>
+          </p:cNvPr>
+          <p:cNvSpPr/>
+          <p:nvPr/>
+        </p:nvSpPr>
+        <p:spPr>
+          <a:xfrm>
+            <a:off x="5354939" y="3504321"/>
+            <a:ext cx="537882" cy="585727"/>
+          </a:xfrm>
+          <a:prstGeom prst="downArrow">
+            <a:avLst/>
+          </a:prstGeom>
+        </p:spPr>
+        <p:style>
+          <a:lnRef idx="2">
+            <a:schemeClr val="dk1">
+              <a:shade val="15000"/>
+            </a:schemeClr>
+          </a:lnRef>
+          <a:fillRef idx="1">
+            <a:schemeClr val="dk1"/>
+          </a:fillRef>
+          <a:effectRef idx="0">
+            <a:schemeClr val="dk1"/>
+          </a:effectRef>
+          <a:fontRef idx="minor">
+            <a:schemeClr val="lt1"/>
+          </a:fontRef>
+        </p:style>
+        <p:txBody>
+          <a:bodyPr rtlCol="0" anchor="ctr"/>
+          <a:lstStyle/>
+          <a:p>
+            <a:pPr algn="ctr"/>
+            <a:endParaRPr lang="en-TW"/>
+          </a:p>
+        </p:txBody>
+      </p:sp>
+      <p:sp>
+        <p:nvSpPr>
+          <p:cNvPr id="19" name="TextBox 18">
+            <a:extLst>
+              <a:ext uri="{FF2B5EF4-FFF2-40B4-BE49-F238E27FC236}">
+                <a16:creationId xmlns:a16="http://schemas.microsoft.com/office/drawing/2014/main" id="{740681E4-0CBE-A2B2-E3F2-C46CEBBD2D88}"/>
+              </a:ext>
+            </a:extLst>
+          </p:cNvPr>
+          <p:cNvSpPr txBox="1"/>
+          <p:nvPr/>
+        </p:nvSpPr>
+        <p:spPr>
+          <a:xfrm>
+            <a:off x="563911" y="5973731"/>
+            <a:ext cx="5081904" cy="369332"/>
+          </a:xfrm>
+          <a:prstGeom prst="rect">
+            <a:avLst/>
+          </a:prstGeom>
+          <a:noFill/>
+        </p:spPr>
+        <p:txBody>
+          <a:bodyPr wrap="none" rtlCol="0">
+            <a:spAutoFit/>
+          </a:bodyPr>
+          <a:lstStyle/>
+          <a:p>
+            <a:pPr marL="285750" indent="-285750">
+              <a:buFont typeface="Arial" panose="020B0604020202020204" pitchFamily="34" charset="0"/>
+              <a:buChar char="•"/>
+            </a:pPr>
+            <a:r>
+              <a:rPr lang="en-TW" dirty="0">
+                <a:solidFill>
+                  <a:srgbClr val="FF0000"/>
+                </a:solidFill>
+              </a:rPr>
+              <a:t>Haven’t successfully trained </a:t>
+            </a:r>
+            <a:r>
+              <a:rPr lang="en-TW" sz="1600" dirty="0">
+                <a:solidFill>
+                  <a:srgbClr val="FF0000"/>
+                </a:solidFill>
+                <a:sym typeface="Wingdings" pitchFamily="2" charset="2"/>
+              </a:rPr>
+              <a:t></a:t>
+            </a:r>
+            <a:r>
+              <a:rPr lang="en-TW" dirty="0">
+                <a:solidFill>
+                  <a:srgbClr val="FF0000"/>
+                </a:solidFill>
+                <a:sym typeface="Wingdings" pitchFamily="2" charset="2"/>
+              </a:rPr>
+              <a:t> some tensor error</a:t>
+            </a:r>
+            <a:endParaRPr lang="en-TW" dirty="0">
+              <a:solidFill>
+                <a:srgbClr val="FF0000"/>
+              </a:solidFill>
+            </a:endParaRPr>
           </a:p>
         </p:txBody>
       </p:sp>
     </p:spTree>
     <p:extLst>
       <p:ext uri="{BB962C8B-B14F-4D97-AF65-F5344CB8AC3E}">
-        <p14:creationId xmlns:p14="http://schemas.microsoft.com/office/powerpoint/2010/main" val="4062315407"/>
+        <p14:creationId xmlns:p14="http://schemas.microsoft.com/office/powerpoint/2010/main" val="1292939620"/>
       </p:ext>
     </p:extLst>
   </p:cSld>
@@ -6681,30 +7032,35 @@
           <p:cNvPr id="2" name="Title 1">
             <a:extLst>
               <a:ext uri="{FF2B5EF4-FFF2-40B4-BE49-F238E27FC236}">
-                <a16:creationId xmlns:a16="http://schemas.microsoft.com/office/drawing/2014/main" id="{2B533BED-E48C-5E7F-2273-C55CCE98516B}"/>
-              </a:ext>
-            </a:extLst>
-          </p:cNvPr>
-          <p:cNvSpPr>
-            <a:spLocks noGrp="1"/>
-          </p:cNvSpPr>
-          <p:nvPr>
-            <p:ph type="title"/>
+                <a16:creationId xmlns:a16="http://schemas.microsoft.com/office/drawing/2014/main" id="{2D1F1D5D-BC21-FE6C-199A-114DD8A93B70}"/>
+              </a:ext>
+            </a:extLst>
+          </p:cNvPr>
+          <p:cNvSpPr>
+            <a:spLocks noGrp="1"/>
+          </p:cNvSpPr>
+          <p:nvPr>
+            <p:ph type="ctrTitle"/>
           </p:nvPr>
         </p:nvSpPr>
         <p:spPr>
           <a:xfrm>
-            <a:off x="366079" y="273051"/>
-            <a:ext cx="10515600" cy="1325563"/>
+            <a:off x="1524000" y="1566037"/>
+            <a:ext cx="9144000" cy="2387600"/>
           </a:xfrm>
         </p:spPr>
         <p:txBody>
           <a:bodyPr/>
           <a:lstStyle/>
           <a:p>
+            <a:pPr>
+              <a:lnSpc>
+                <a:spcPct val="110000"/>
+              </a:lnSpc>
+            </a:pPr>
             <a:r>
               <a:rPr lang="en-TW" b="1" dirty="0"/>
-              <a:t>Dataset</a:t>
+              <a:t>Future Work</a:t>
             </a:r>
           </a:p>
         </p:txBody>
@@ -6714,7 +7070,7 @@
           <p:cNvPr id="4" name="Slide Number Placeholder 3">
             <a:extLst>
               <a:ext uri="{FF2B5EF4-FFF2-40B4-BE49-F238E27FC236}">
-                <a16:creationId xmlns:a16="http://schemas.microsoft.com/office/drawing/2014/main" id="{5CD44B9F-7DE8-0932-BD70-B0BA453E653B}"/>
+                <a16:creationId xmlns:a16="http://schemas.microsoft.com/office/drawing/2014/main" id="{2BC4D631-FD05-0882-9331-7401BF92027E}"/>
               </a:ext>
             </a:extLst>
           </p:cNvPr>
@@ -6734,239 +7090,14 @@
               <a:rPr lang="en-TW" smtClean="0"/>
               <a:t>14</a:t>
             </a:fld>
-            <a:endParaRPr lang="en-TW" dirty="0"/>
-          </a:p>
-        </p:txBody>
-      </p:sp>
-      <p:pic>
-        <p:nvPicPr>
-          <p:cNvPr id="3" name="Picture 2">
-            <a:extLst>
-              <a:ext uri="{FF2B5EF4-FFF2-40B4-BE49-F238E27FC236}">
-                <a16:creationId xmlns:a16="http://schemas.microsoft.com/office/drawing/2014/main" id="{DE076CD4-2412-20C9-A847-517591964E42}"/>
-              </a:ext>
-            </a:extLst>
-          </p:cNvPr>
-          <p:cNvPicPr>
-            <a:picLocks noChangeAspect="1"/>
-          </p:cNvPicPr>
-          <p:nvPr/>
-        </p:nvPicPr>
-        <p:blipFill>
-          <a:blip r:embed="rId3"/>
-          <a:stretch>
-            <a:fillRect/>
-          </a:stretch>
-        </p:blipFill>
-        <p:spPr>
-          <a:xfrm>
-            <a:off x="741006" y="2032764"/>
-            <a:ext cx="11165546" cy="1155056"/>
-          </a:xfrm>
-          <a:prstGeom prst="rect">
-            <a:avLst/>
-          </a:prstGeom>
-        </p:spPr>
-      </p:pic>
-      <p:sp>
-        <p:nvSpPr>
-          <p:cNvPr id="6" name="TextBox 5">
-            <a:extLst>
-              <a:ext uri="{FF2B5EF4-FFF2-40B4-BE49-F238E27FC236}">
-                <a16:creationId xmlns:a16="http://schemas.microsoft.com/office/drawing/2014/main" id="{802D921C-A9CB-24FE-E74B-BC7389A8B502}"/>
-              </a:ext>
-            </a:extLst>
-          </p:cNvPr>
-          <p:cNvSpPr txBox="1"/>
-          <p:nvPr/>
-        </p:nvSpPr>
-        <p:spPr>
-          <a:xfrm>
-            <a:off x="513227" y="1570052"/>
-            <a:ext cx="1252651" cy="492443"/>
-          </a:xfrm>
-          <a:prstGeom prst="rect">
-            <a:avLst/>
-          </a:prstGeom>
-          <a:noFill/>
-        </p:spPr>
-        <p:txBody>
-          <a:bodyPr wrap="none" rtlCol="0">
-            <a:spAutoFit/>
-          </a:bodyPr>
-          <a:lstStyle/>
-          <a:p>
-            <a:r>
-              <a:rPr lang="en-TW" sz="2600" dirty="0"/>
-              <a:t>Format:</a:t>
-            </a:r>
-          </a:p>
-        </p:txBody>
-      </p:sp>
-      <p:sp>
-        <p:nvSpPr>
-          <p:cNvPr id="7" name="TextBox 6">
-            <a:extLst>
-              <a:ext uri="{FF2B5EF4-FFF2-40B4-BE49-F238E27FC236}">
-                <a16:creationId xmlns:a16="http://schemas.microsoft.com/office/drawing/2014/main" id="{0C51B876-7712-9D3A-CFA2-BAEED231D9CB}"/>
-              </a:ext>
-            </a:extLst>
-          </p:cNvPr>
-          <p:cNvSpPr txBox="1"/>
-          <p:nvPr/>
-        </p:nvSpPr>
-        <p:spPr>
-          <a:xfrm>
-            <a:off x="617084" y="3359496"/>
-            <a:ext cx="10417788" cy="1785104"/>
-          </a:xfrm>
-          <a:prstGeom prst="rect">
-            <a:avLst/>
-          </a:prstGeom>
-          <a:noFill/>
-        </p:spPr>
-        <p:txBody>
-          <a:bodyPr wrap="none" rtlCol="0">
-            <a:spAutoFit/>
-          </a:bodyPr>
-          <a:lstStyle/>
-          <a:p>
-            <a:pPr marL="285750" indent="-285750">
-              <a:buFont typeface="Arial" panose="020B0604020202020204" pitchFamily="34" charset="0"/>
-              <a:buChar char="•"/>
-            </a:pPr>
-            <a:r>
-              <a:rPr lang="en-US" sz="2200" dirty="0"/>
-              <a:t>Have 165 APs, each AP has 1000 variation </a:t>
-            </a:r>
-            <a:r>
-              <a:rPr lang="en-US" sz="2000" dirty="0">
-                <a:sym typeface="Wingdings" pitchFamily="2" charset="2"/>
-              </a:rPr>
-              <a:t></a:t>
-            </a:r>
-            <a:r>
-              <a:rPr lang="en-US" sz="2200" dirty="0">
-                <a:sym typeface="Wingdings" pitchFamily="2" charset="2"/>
-              </a:rPr>
-              <a:t> nodes are different but relations are same</a:t>
-            </a:r>
-            <a:endParaRPr lang="en-US" sz="2200" dirty="0"/>
-          </a:p>
-          <a:p>
-            <a:pPr marL="285750" indent="-285750">
-              <a:buFont typeface="Arial" panose="020B0604020202020204" pitchFamily="34" charset="0"/>
-              <a:buChar char="•"/>
-            </a:pPr>
-            <a:r>
-              <a:rPr lang="en-US" sz="2200" dirty="0"/>
-              <a:t>0~99 test, 100~199 validation, 200~999 train </a:t>
-            </a:r>
-            <a:r>
-              <a:rPr lang="en-US" sz="2000" dirty="0">
-                <a:sym typeface="Wingdings" pitchFamily="2" charset="2"/>
-              </a:rPr>
-              <a:t></a:t>
-            </a:r>
-            <a:r>
-              <a:rPr lang="en-US" sz="2200" dirty="0">
-                <a:sym typeface="Wingdings" pitchFamily="2" charset="2"/>
-              </a:rPr>
-              <a:t> 1:1:8</a:t>
-            </a:r>
-          </a:p>
-          <a:p>
-            <a:endParaRPr lang="en-US" sz="2200" dirty="0"/>
-          </a:p>
-          <a:p>
-            <a:pPr marL="285750" indent="-285750">
-              <a:buFont typeface="Arial" panose="020B0604020202020204" pitchFamily="34" charset="0"/>
-              <a:buChar char="•"/>
-            </a:pPr>
-            <a:r>
-              <a:rPr lang="en-US" sz="2200" dirty="0"/>
-              <a:t>Use transR_50, transE_50, transH_50, secureBERT… as embedding </a:t>
-            </a:r>
-            <a:r>
-              <a:rPr lang="en-US" sz="2000" dirty="0">
-                <a:sym typeface="Wingdings" pitchFamily="2" charset="2"/>
-              </a:rPr>
-              <a:t></a:t>
-            </a:r>
-            <a:r>
-              <a:rPr lang="en-US" sz="2200" dirty="0">
-                <a:sym typeface="Wingdings" pitchFamily="2" charset="2"/>
-              </a:rPr>
-              <a:t> </a:t>
-            </a:r>
-            <a:r>
-              <a:rPr lang="en-US" sz="2200" b="1" dirty="0">
-                <a:sym typeface="Wingdings" pitchFamily="2" charset="2"/>
-              </a:rPr>
-              <a:t>11 versions</a:t>
-            </a:r>
-          </a:p>
-          <a:p>
-            <a:pPr marL="285750" indent="-285750">
-              <a:buFont typeface="Arial" panose="020B0604020202020204" pitchFamily="34" charset="0"/>
-              <a:buChar char="•"/>
-            </a:pPr>
-            <a:r>
-              <a:rPr lang="en-US" sz="2200" b="1" dirty="0">
-                <a:sym typeface="Wingdings" pitchFamily="2" charset="2"/>
-              </a:rPr>
-              <a:t>secureBERT </a:t>
-            </a:r>
-            <a:r>
-              <a:rPr lang="en-US" sz="2000" dirty="0">
-                <a:sym typeface="Wingdings" pitchFamily="2" charset="2"/>
-              </a:rPr>
-              <a:t></a:t>
-            </a:r>
-            <a:r>
-              <a:rPr lang="en-US" sz="2200" dirty="0">
-                <a:sym typeface="Wingdings" pitchFamily="2" charset="2"/>
-              </a:rPr>
-              <a:t> dimension = 250, 150, 100, 50 </a:t>
-            </a:r>
-            <a:endParaRPr lang="en-US" sz="2200" dirty="0"/>
-          </a:p>
-        </p:txBody>
-      </p:sp>
-      <p:pic>
-        <p:nvPicPr>
-          <p:cNvPr id="8" name="Picture 7">
-            <a:extLst>
-              <a:ext uri="{FF2B5EF4-FFF2-40B4-BE49-F238E27FC236}">
-                <a16:creationId xmlns:a16="http://schemas.microsoft.com/office/drawing/2014/main" id="{F2066A88-BDDF-D6FB-151C-49F4C84D83AA}"/>
-              </a:ext>
-            </a:extLst>
-          </p:cNvPr>
-          <p:cNvPicPr>
-            <a:picLocks noChangeAspect="1"/>
-          </p:cNvPicPr>
-          <p:nvPr/>
-        </p:nvPicPr>
-        <p:blipFill>
-          <a:blip r:embed="rId4"/>
-          <a:stretch>
-            <a:fillRect/>
-          </a:stretch>
-        </p:blipFill>
-        <p:spPr>
-          <a:xfrm>
-            <a:off x="980162" y="5290390"/>
-            <a:ext cx="5115838" cy="545225"/>
-          </a:xfrm>
-          <a:prstGeom prst="rect">
-            <a:avLst/>
-          </a:prstGeom>
-        </p:spPr>
-      </p:pic>
+            <a:endParaRPr lang="en-TW"/>
+          </a:p>
+        </p:txBody>
+      </p:sp>
     </p:spTree>
     <p:extLst>
       <p:ext uri="{BB962C8B-B14F-4D97-AF65-F5344CB8AC3E}">
-        <p14:creationId xmlns:p14="http://schemas.microsoft.com/office/powerpoint/2010/main" val="1292939620"/>
+        <p14:creationId xmlns:p14="http://schemas.microsoft.com/office/powerpoint/2010/main" val="2403544732"/>
       </p:ext>
     </p:extLst>
   </p:cSld>
@@ -7010,25 +7141,60 @@
           <p:cNvPr id="2" name="Title 1">
             <a:extLst>
               <a:ext uri="{FF2B5EF4-FFF2-40B4-BE49-F238E27FC236}">
-                <a16:creationId xmlns:a16="http://schemas.microsoft.com/office/drawing/2014/main" id="{2D1F1D5D-BC21-FE6C-199A-114DD8A93B70}"/>
-              </a:ext>
-            </a:extLst>
-          </p:cNvPr>
-          <p:cNvSpPr>
-            <a:spLocks noGrp="1"/>
-          </p:cNvSpPr>
-          <p:nvPr>
-            <p:ph type="ctrTitle"/>
+                <a16:creationId xmlns:a16="http://schemas.microsoft.com/office/drawing/2014/main" id="{2B533BED-E48C-5E7F-2273-C55CCE98516B}"/>
+              </a:ext>
+            </a:extLst>
+          </p:cNvPr>
+          <p:cNvSpPr>
+            <a:spLocks noGrp="1"/>
+          </p:cNvSpPr>
+          <p:nvPr>
+            <p:ph type="title"/>
           </p:nvPr>
         </p:nvSpPr>
         <p:spPr>
           <a:xfrm>
-            <a:off x="1524000" y="1566037"/>
-            <a:ext cx="9144000" cy="2387600"/>
+            <a:off x="374904" y="319088"/>
+            <a:ext cx="10515600" cy="1325563"/>
           </a:xfrm>
         </p:spPr>
         <p:txBody>
           <a:bodyPr/>
+          <a:lstStyle/>
+          <a:p>
+            <a:r>
+              <a:rPr lang="en-TW" b="1" dirty="0"/>
+              <a:t>Future Work</a:t>
+            </a:r>
+          </a:p>
+        </p:txBody>
+      </p:sp>
+      <p:sp>
+        <p:nvSpPr>
+          <p:cNvPr id="3" name="Content Placeholder 2">
+            <a:extLst>
+              <a:ext uri="{FF2B5EF4-FFF2-40B4-BE49-F238E27FC236}">
+                <a16:creationId xmlns:a16="http://schemas.microsoft.com/office/drawing/2014/main" id="{25B0A74B-6281-327F-44E6-1E41A778AF7E}"/>
+              </a:ext>
+            </a:extLst>
+          </p:cNvPr>
+          <p:cNvSpPr>
+            <a:spLocks noGrp="1"/>
+          </p:cNvSpPr>
+          <p:nvPr>
+            <p:ph idx="1"/>
+          </p:nvPr>
+        </p:nvSpPr>
+        <p:spPr>
+          <a:xfrm>
+            <a:off x="695678" y="1706032"/>
+            <a:ext cx="10800644" cy="4832880"/>
+          </a:xfrm>
+        </p:spPr>
+        <p:txBody>
+          <a:bodyPr>
+            <a:normAutofit/>
+          </a:bodyPr>
           <a:lstStyle/>
           <a:p>
             <a:pPr>
@@ -7038,8 +7204,74 @@
             </a:pPr>
             <a:r>
               <a:rPr lang="en-TW" b="1" dirty="0"/>
-              <a:t>Future Work</a:t>
-            </a:r>
+              <a:t>GAT</a:t>
+            </a:r>
+          </a:p>
+          <a:p>
+            <a:pPr lvl="1">
+              <a:lnSpc>
+                <a:spcPct val="110000"/>
+              </a:lnSpc>
+            </a:pPr>
+            <a:r>
+              <a:rPr lang="en-TW" dirty="0"/>
+              <a:t>Successfully</a:t>
+            </a:r>
+            <a:r>
+              <a:rPr lang="zh-TW" altLang="en-US" dirty="0"/>
+              <a:t> </a:t>
+            </a:r>
+            <a:r>
+              <a:rPr lang="en-US" altLang="zh-TW" dirty="0"/>
+              <a:t>r</a:t>
+            </a:r>
+            <a:r>
+              <a:rPr lang="en-TW" dirty="0"/>
+              <a:t>un the experiment 3 </a:t>
+            </a:r>
+          </a:p>
+          <a:p>
+            <a:pPr lvl="1">
+              <a:lnSpc>
+                <a:spcPct val="110000"/>
+              </a:lnSpc>
+            </a:pPr>
+            <a:r>
+              <a:rPr lang="en-TW" dirty="0"/>
+              <a:t>Try GCN or different architecture of the model</a:t>
+            </a:r>
+          </a:p>
+          <a:p>
+            <a:pPr lvl="1">
+              <a:lnSpc>
+                <a:spcPct val="110000"/>
+              </a:lnSpc>
+            </a:pPr>
+            <a:r>
+              <a:rPr lang="en-US" dirty="0"/>
+              <a:t>I</a:t>
+            </a:r>
+            <a:r>
+              <a:rPr lang="en-TW" dirty="0"/>
+              <a:t>mprove t</a:t>
+            </a:r>
+            <a:r>
+              <a:rPr lang="en-US" dirty="0"/>
+              <a:t>he</a:t>
+            </a:r>
+            <a:r>
+              <a:rPr lang="en-TW" dirty="0"/>
+              <a:t> performance of the model (if available)</a:t>
+            </a:r>
+          </a:p>
+          <a:p>
+            <a:pPr marL="0" indent="0">
+              <a:lnSpc>
+                <a:spcPct val="110000"/>
+              </a:lnSpc>
+              <a:buNone/>
+            </a:pPr>
+            <a:endParaRPr lang="en-TW" dirty="0"/>
           </a:p>
         </p:txBody>
       </p:sp>
@@ -7048,7 +7280,7 @@
           <p:cNvPr id="4" name="Slide Number Placeholder 3">
             <a:extLst>
               <a:ext uri="{FF2B5EF4-FFF2-40B4-BE49-F238E27FC236}">
-                <a16:creationId xmlns:a16="http://schemas.microsoft.com/office/drawing/2014/main" id="{2BC4D631-FD05-0882-9331-7401BF92027E}"/>
+                <a16:creationId xmlns:a16="http://schemas.microsoft.com/office/drawing/2014/main" id="{5CD44B9F-7DE8-0932-BD70-B0BA453E653B}"/>
               </a:ext>
             </a:extLst>
           </p:cNvPr>
@@ -7075,7 +7307,7 @@
     </p:spTree>
     <p:extLst>
       <p:ext uri="{BB962C8B-B14F-4D97-AF65-F5344CB8AC3E}">
-        <p14:creationId xmlns:p14="http://schemas.microsoft.com/office/powerpoint/2010/main" val="2403544732"/>
+        <p14:creationId xmlns:p14="http://schemas.microsoft.com/office/powerpoint/2010/main" val="2421199054"/>
       </p:ext>
     </p:extLst>
   </p:cSld>
@@ -7116,115 +7348,10 @@
       </p:grpSpPr>
       <p:sp>
         <p:nvSpPr>
-          <p:cNvPr id="2" name="Title 1">
-            <a:extLst>
-              <a:ext uri="{FF2B5EF4-FFF2-40B4-BE49-F238E27FC236}">
-                <a16:creationId xmlns:a16="http://schemas.microsoft.com/office/drawing/2014/main" id="{2B533BED-E48C-5E7F-2273-C55CCE98516B}"/>
-              </a:ext>
-            </a:extLst>
-          </p:cNvPr>
-          <p:cNvSpPr>
-            <a:spLocks noGrp="1"/>
-          </p:cNvSpPr>
-          <p:nvPr>
-            <p:ph type="title"/>
-          </p:nvPr>
-        </p:nvSpPr>
-        <p:spPr>
-          <a:xfrm>
-            <a:off x="374904" y="197907"/>
-            <a:ext cx="10515600" cy="1325563"/>
-          </a:xfrm>
-        </p:spPr>
-        <p:txBody>
-          <a:bodyPr/>
-          <a:lstStyle/>
-          <a:p>
-            <a:r>
-              <a:rPr lang="en-TW" b="1" dirty="0"/>
-              <a:t>Future Work</a:t>
-            </a:r>
-          </a:p>
-        </p:txBody>
-      </p:sp>
-      <p:sp>
-        <p:nvSpPr>
-          <p:cNvPr id="3" name="Content Placeholder 2">
-            <a:extLst>
-              <a:ext uri="{FF2B5EF4-FFF2-40B4-BE49-F238E27FC236}">
-                <a16:creationId xmlns:a16="http://schemas.microsoft.com/office/drawing/2014/main" id="{25B0A74B-6281-327F-44E6-1E41A778AF7E}"/>
-              </a:ext>
-            </a:extLst>
-          </p:cNvPr>
-          <p:cNvSpPr>
-            <a:spLocks noGrp="1"/>
-          </p:cNvSpPr>
-          <p:nvPr>
-            <p:ph idx="1"/>
-          </p:nvPr>
-        </p:nvSpPr>
-        <p:spPr>
-          <a:xfrm>
-            <a:off x="695678" y="1608814"/>
-            <a:ext cx="10800644" cy="4832880"/>
-          </a:xfrm>
-        </p:spPr>
-        <p:txBody>
-          <a:bodyPr>
-            <a:normAutofit/>
-          </a:bodyPr>
-          <a:lstStyle/>
-          <a:p>
-            <a:pPr>
-              <a:lnSpc>
-                <a:spcPct val="110000"/>
-              </a:lnSpc>
-            </a:pPr>
-            <a:r>
-              <a:rPr lang="en-TW" b="1" dirty="0"/>
-              <a:t>GAT</a:t>
-            </a:r>
-          </a:p>
-          <a:p>
-            <a:pPr lvl="1">
-              <a:lnSpc>
-                <a:spcPct val="110000"/>
-              </a:lnSpc>
-            </a:pPr>
-            <a:r>
-              <a:rPr lang="en-US" dirty="0"/>
-              <a:t>I</a:t>
-            </a:r>
-            <a:r>
-              <a:rPr lang="en-TW" dirty="0"/>
-              <a:t>mprove t</a:t>
-            </a:r>
-            <a:r>
-              <a:rPr lang="en-US" dirty="0"/>
-              <a:t>he</a:t>
-            </a:r>
-            <a:r>
-              <a:rPr lang="en-TW" dirty="0"/>
-              <a:t> performance of the model (if available)</a:t>
-            </a:r>
-          </a:p>
-          <a:p>
-            <a:pPr marL="0" indent="0">
-              <a:lnSpc>
-                <a:spcPct val="110000"/>
-              </a:lnSpc>
-              <a:buNone/>
-            </a:pPr>
-            <a:endParaRPr lang="en-TW" dirty="0"/>
-          </a:p>
-        </p:txBody>
-      </p:sp>
-      <p:sp>
-        <p:nvSpPr>
           <p:cNvPr id="4" name="Slide Number Placeholder 3">
             <a:extLst>
               <a:ext uri="{FF2B5EF4-FFF2-40B4-BE49-F238E27FC236}">
-                <a16:creationId xmlns:a16="http://schemas.microsoft.com/office/drawing/2014/main" id="{5CD44B9F-7DE8-0932-BD70-B0BA453E653B}"/>
+                <a16:creationId xmlns:a16="http://schemas.microsoft.com/office/drawing/2014/main" id="{2BC4D631-FD05-0882-9331-7401BF92027E}"/>
               </a:ext>
             </a:extLst>
           </p:cNvPr>
@@ -7248,10 +7375,43 @@
           </a:p>
         </p:txBody>
       </p:sp>
+      <p:sp>
+        <p:nvSpPr>
+          <p:cNvPr id="5" name="Title 4">
+            <a:extLst>
+              <a:ext uri="{FF2B5EF4-FFF2-40B4-BE49-F238E27FC236}">
+                <a16:creationId xmlns:a16="http://schemas.microsoft.com/office/drawing/2014/main" id="{FD89D94C-6796-FFAC-888D-5EC2B2407BC6}"/>
+              </a:ext>
+            </a:extLst>
+          </p:cNvPr>
+          <p:cNvSpPr>
+            <a:spLocks noGrp="1"/>
+          </p:cNvSpPr>
+          <p:nvPr>
+            <p:ph type="ctrTitle"/>
+          </p:nvPr>
+        </p:nvSpPr>
+        <p:spPr>
+          <a:xfrm>
+            <a:off x="1524000" y="1484970"/>
+            <a:ext cx="9144000" cy="2387600"/>
+          </a:xfrm>
+        </p:spPr>
+        <p:txBody>
+          <a:bodyPr/>
+          <a:lstStyle/>
+          <a:p>
+            <a:r>
+              <a:rPr lang="en-TW" b="1" dirty="0"/>
+              <a:t>Thanks!!</a:t>
+            </a:r>
+          </a:p>
+        </p:txBody>
+      </p:sp>
     </p:spTree>
     <p:extLst>
       <p:ext uri="{BB962C8B-B14F-4D97-AF65-F5344CB8AC3E}">
-        <p14:creationId xmlns:p14="http://schemas.microsoft.com/office/powerpoint/2010/main" val="2421199054"/>
+        <p14:creationId xmlns:p14="http://schemas.microsoft.com/office/powerpoint/2010/main" val="2872018066"/>
       </p:ext>
     </p:extLst>
   </p:cSld>
@@ -7347,7 +7507,7 @@
           <a:p>
             <a:r>
               <a:rPr lang="en-TW" b="1" dirty="0"/>
-              <a:t>Thanks!!</a:t>
+              <a:t>Appendix</a:t>
             </a:r>
           </a:p>
         </p:txBody>
@@ -7355,7 +7515,7 @@
     </p:spTree>
     <p:extLst>
       <p:ext uri="{BB962C8B-B14F-4D97-AF65-F5344CB8AC3E}">
-        <p14:creationId xmlns:p14="http://schemas.microsoft.com/office/powerpoint/2010/main" val="2872018066"/>
+        <p14:creationId xmlns:p14="http://schemas.microsoft.com/office/powerpoint/2010/main" val="2806617322"/>
       </p:ext>
     </p:extLst>
   </p:cSld>
@@ -7396,10 +7556,135 @@
       </p:grpSpPr>
       <p:sp>
         <p:nvSpPr>
+          <p:cNvPr id="2" name="Title 1">
+            <a:extLst>
+              <a:ext uri="{FF2B5EF4-FFF2-40B4-BE49-F238E27FC236}">
+                <a16:creationId xmlns:a16="http://schemas.microsoft.com/office/drawing/2014/main" id="{2B533BED-E48C-5E7F-2273-C55CCE98516B}"/>
+              </a:ext>
+            </a:extLst>
+          </p:cNvPr>
+          <p:cNvSpPr>
+            <a:spLocks noGrp="1"/>
+          </p:cNvSpPr>
+          <p:nvPr>
+            <p:ph type="title"/>
+          </p:nvPr>
+        </p:nvSpPr>
+        <p:spPr>
+          <a:xfrm>
+            <a:off x="374904" y="197907"/>
+            <a:ext cx="10515600" cy="1325563"/>
+          </a:xfrm>
+        </p:spPr>
+        <p:txBody>
+          <a:bodyPr/>
+          <a:lstStyle/>
+          <a:p>
+            <a:r>
+              <a:rPr lang="en-TW" b="1" dirty="0"/>
+              <a:t>Useful Links</a:t>
+            </a:r>
+          </a:p>
+        </p:txBody>
+      </p:sp>
+      <p:sp>
+        <p:nvSpPr>
+          <p:cNvPr id="3" name="Content Placeholder 2">
+            <a:extLst>
+              <a:ext uri="{FF2B5EF4-FFF2-40B4-BE49-F238E27FC236}">
+                <a16:creationId xmlns:a16="http://schemas.microsoft.com/office/drawing/2014/main" id="{25B0A74B-6281-327F-44E6-1E41A778AF7E}"/>
+              </a:ext>
+            </a:extLst>
+          </p:cNvPr>
+          <p:cNvSpPr>
+            <a:spLocks noGrp="1"/>
+          </p:cNvSpPr>
+          <p:nvPr>
+            <p:ph idx="1"/>
+          </p:nvPr>
+        </p:nvSpPr>
+        <p:spPr>
+          <a:xfrm>
+            <a:off x="695678" y="1608814"/>
+            <a:ext cx="10800644" cy="4832880"/>
+          </a:xfrm>
+        </p:spPr>
+        <p:txBody>
+          <a:bodyPr>
+            <a:normAutofit/>
+          </a:bodyPr>
+          <a:lstStyle/>
+          <a:p>
+            <a:pPr marL="0" indent="0">
+              <a:lnSpc>
+                <a:spcPct val="110000"/>
+              </a:lnSpc>
+              <a:buNone/>
+            </a:pPr>
+            <a:r>
+              <a:rPr lang="en-US" dirty="0">
+                <a:hlinkClick r:id="rId3"/>
+              </a:rPr>
+              <a:t>https://zhuanlan.zhihu.com/p/107737824</a:t>
+            </a:r>
+            <a:r>
+              <a:rPr lang="en-US" dirty="0"/>
+              <a:t> </a:t>
+            </a:r>
+          </a:p>
+          <a:p>
+            <a:pPr marL="0" indent="0">
+              <a:lnSpc>
+                <a:spcPct val="110000"/>
+              </a:lnSpc>
+              <a:buNone/>
+            </a:pPr>
+            <a:r>
+              <a:rPr lang="en-US" dirty="0">
+                <a:hlinkClick r:id="rId4"/>
+              </a:rPr>
+              <a:t>https://blog.csdn.net/uncle_ll/article/details/82778750</a:t>
+            </a:r>
+            <a:r>
+              <a:rPr lang="en-US" dirty="0"/>
+              <a:t> </a:t>
+            </a:r>
+          </a:p>
+          <a:p>
+            <a:pPr marL="0" indent="0">
+              <a:lnSpc>
+                <a:spcPct val="110000"/>
+              </a:lnSpc>
+              <a:buNone/>
+            </a:pPr>
+            <a:r>
+              <a:rPr lang="en-US" dirty="0">
+                <a:hlinkClick r:id="rId5"/>
+              </a:rPr>
+              <a:t>https://docs.dgl.ai/en/1.1.x/guide_cn/minibatch-edge.html#guide-cn-minibatch-edge-classification-sampler</a:t>
+            </a:r>
+            <a:r>
+              <a:rPr lang="en-US" dirty="0"/>
+              <a:t> </a:t>
+            </a:r>
+          </a:p>
+          <a:p>
+            <a:pPr marL="0" indent="0">
+              <a:lnSpc>
+                <a:spcPct val="110000"/>
+              </a:lnSpc>
+              <a:buNone/>
+            </a:pPr>
+            <a:endParaRPr lang="en-TW" dirty="0"/>
+          </a:p>
+        </p:txBody>
+      </p:sp>
+      <p:sp>
+        <p:nvSpPr>
           <p:cNvPr id="4" name="Slide Number Placeholder 3">
             <a:extLst>
               <a:ext uri="{FF2B5EF4-FFF2-40B4-BE49-F238E27FC236}">
-                <a16:creationId xmlns:a16="http://schemas.microsoft.com/office/drawing/2014/main" id="{2BC4D631-FD05-0882-9331-7401BF92027E}"/>
+                <a16:creationId xmlns:a16="http://schemas.microsoft.com/office/drawing/2014/main" id="{5CD44B9F-7DE8-0932-BD70-B0BA453E653B}"/>
               </a:ext>
             </a:extLst>
           </p:cNvPr>
@@ -7423,43 +7708,10 @@
           </a:p>
         </p:txBody>
       </p:sp>
-      <p:sp>
-        <p:nvSpPr>
-          <p:cNvPr id="5" name="Title 4">
-            <a:extLst>
-              <a:ext uri="{FF2B5EF4-FFF2-40B4-BE49-F238E27FC236}">
-                <a16:creationId xmlns:a16="http://schemas.microsoft.com/office/drawing/2014/main" id="{FD89D94C-6796-FFAC-888D-5EC2B2407BC6}"/>
-              </a:ext>
-            </a:extLst>
-          </p:cNvPr>
-          <p:cNvSpPr>
-            <a:spLocks noGrp="1"/>
-          </p:cNvSpPr>
-          <p:nvPr>
-            <p:ph type="ctrTitle"/>
-          </p:nvPr>
-        </p:nvSpPr>
-        <p:spPr>
-          <a:xfrm>
-            <a:off x="1524000" y="1484970"/>
-            <a:ext cx="9144000" cy="2387600"/>
-          </a:xfrm>
-        </p:spPr>
-        <p:txBody>
-          <a:bodyPr/>
-          <a:lstStyle/>
-          <a:p>
-            <a:r>
-              <a:rPr lang="en-TW" b="1" dirty="0"/>
-              <a:t>Appendix</a:t>
-            </a:r>
-          </a:p>
-        </p:txBody>
-      </p:sp>
     </p:spTree>
     <p:extLst>
       <p:ext uri="{BB962C8B-B14F-4D97-AF65-F5344CB8AC3E}">
-        <p14:creationId xmlns:p14="http://schemas.microsoft.com/office/powerpoint/2010/main" val="2806617322"/>
+        <p14:creationId xmlns:p14="http://schemas.microsoft.com/office/powerpoint/2010/main" val="1954880310"/>
       </p:ext>
     </p:extLst>
   </p:cSld>
@@ -7503,38 +7755,32 @@
           <p:cNvPr id="2" name="Title 1">
             <a:extLst>
               <a:ext uri="{FF2B5EF4-FFF2-40B4-BE49-F238E27FC236}">
-                <a16:creationId xmlns:a16="http://schemas.microsoft.com/office/drawing/2014/main" id="{2D1F1D5D-BC21-FE6C-199A-114DD8A93B70}"/>
-              </a:ext>
-            </a:extLst>
-          </p:cNvPr>
-          <p:cNvSpPr>
-            <a:spLocks noGrp="1"/>
-          </p:cNvSpPr>
-          <p:nvPr>
-            <p:ph type="ctrTitle"/>
+                <a16:creationId xmlns:a16="http://schemas.microsoft.com/office/drawing/2014/main" id="{2B533BED-E48C-5E7F-2273-C55CCE98516B}"/>
+              </a:ext>
+            </a:extLst>
+          </p:cNvPr>
+          <p:cNvSpPr>
+            <a:spLocks noGrp="1"/>
+          </p:cNvSpPr>
+          <p:nvPr>
+            <p:ph type="title"/>
           </p:nvPr>
         </p:nvSpPr>
         <p:spPr>
           <a:xfrm>
-            <a:off x="1056289" y="1492465"/>
-            <a:ext cx="10079421" cy="2387600"/>
+            <a:off x="366079" y="273051"/>
+            <a:ext cx="10515600" cy="1325563"/>
           </a:xfrm>
         </p:spPr>
         <p:txBody>
-          <a:bodyPr>
-            <a:normAutofit/>
-          </a:bodyPr>
-          <a:lstStyle/>
-          <a:p>
-            <a:pPr>
-              <a:lnSpc>
-                <a:spcPct val="110000"/>
-              </a:lnSpc>
-            </a:pPr>
-            <a:r>
-              <a:rPr lang="en-TW" sz="4800" b="1" dirty="0"/>
-              <a:t>Graph Convolutional Network - GCN</a:t>
-            </a:r>
+          <a:bodyPr/>
+          <a:lstStyle/>
+          <a:p>
+            <a:r>
+              <a:rPr lang="en-US" b="1" dirty="0"/>
+              <a:t>Experiment 3</a:t>
+            </a:r>
+            <a:endParaRPr lang="en-TW" b="1" dirty="0"/>
           </a:p>
         </p:txBody>
       </p:sp>
@@ -7543,7 +7789,7 @@
           <p:cNvPr id="4" name="Slide Number Placeholder 3">
             <a:extLst>
               <a:ext uri="{FF2B5EF4-FFF2-40B4-BE49-F238E27FC236}">
-                <a16:creationId xmlns:a16="http://schemas.microsoft.com/office/drawing/2014/main" id="{2BC4D631-FD05-0882-9331-7401BF92027E}"/>
+                <a16:creationId xmlns:a16="http://schemas.microsoft.com/office/drawing/2014/main" id="{5CD44B9F-7DE8-0932-BD70-B0BA453E653B}"/>
               </a:ext>
             </a:extLst>
           </p:cNvPr>
@@ -7563,14 +7809,334 @@
               <a:rPr lang="en-TW" smtClean="0"/>
               <a:t>19</a:t>
             </a:fld>
-            <a:endParaRPr lang="en-TW"/>
+            <a:endParaRPr lang="en-TW" dirty="0"/>
+          </a:p>
+        </p:txBody>
+      </p:sp>
+      <p:pic>
+        <p:nvPicPr>
+          <p:cNvPr id="6" name="Picture 5">
+            <a:extLst>
+              <a:ext uri="{FF2B5EF4-FFF2-40B4-BE49-F238E27FC236}">
+                <a16:creationId xmlns:a16="http://schemas.microsoft.com/office/drawing/2014/main" id="{4BD6EFA7-9B5D-74A8-C2FC-6CA82CAEC2D8}"/>
+              </a:ext>
+            </a:extLst>
+          </p:cNvPr>
+          <p:cNvPicPr>
+            <a:picLocks noChangeAspect="1"/>
+          </p:cNvPicPr>
+          <p:nvPr/>
+        </p:nvPicPr>
+        <p:blipFill>
+          <a:blip r:embed="rId3"/>
+          <a:stretch>
+            <a:fillRect/>
+          </a:stretch>
+        </p:blipFill>
+        <p:spPr>
+          <a:xfrm>
+            <a:off x="419100" y="1947208"/>
+            <a:ext cx="5676900" cy="901700"/>
+          </a:xfrm>
+          <a:prstGeom prst="rect">
+            <a:avLst/>
+          </a:prstGeom>
+        </p:spPr>
+      </p:pic>
+      <p:pic>
+        <p:nvPicPr>
+          <p:cNvPr id="8" name="Picture 7">
+            <a:extLst>
+              <a:ext uri="{FF2B5EF4-FFF2-40B4-BE49-F238E27FC236}">
+                <a16:creationId xmlns:a16="http://schemas.microsoft.com/office/drawing/2014/main" id="{F2B82E1E-AF62-CE9F-6F52-493EE50C476C}"/>
+              </a:ext>
+            </a:extLst>
+          </p:cNvPr>
+          <p:cNvPicPr>
+            <a:picLocks noChangeAspect="1"/>
+          </p:cNvPicPr>
+          <p:nvPr/>
+        </p:nvPicPr>
+        <p:blipFill>
+          <a:blip r:embed="rId4"/>
+          <a:stretch>
+            <a:fillRect/>
+          </a:stretch>
+        </p:blipFill>
+        <p:spPr>
+          <a:xfrm>
+            <a:off x="6493809" y="2531408"/>
+            <a:ext cx="4457700" cy="317500"/>
+          </a:xfrm>
+          <a:prstGeom prst="rect">
+            <a:avLst/>
+          </a:prstGeom>
+        </p:spPr>
+      </p:pic>
+      <p:pic>
+        <p:nvPicPr>
+          <p:cNvPr id="10" name="Picture 9">
+            <a:extLst>
+              <a:ext uri="{FF2B5EF4-FFF2-40B4-BE49-F238E27FC236}">
+                <a16:creationId xmlns:a16="http://schemas.microsoft.com/office/drawing/2014/main" id="{A0B6EC21-355C-01C7-DCE3-0CF8F4B457E0}"/>
+              </a:ext>
+            </a:extLst>
+          </p:cNvPr>
+          <p:cNvPicPr>
+            <a:picLocks noChangeAspect="1"/>
+          </p:cNvPicPr>
+          <p:nvPr/>
+        </p:nvPicPr>
+        <p:blipFill>
+          <a:blip r:embed="rId5"/>
+          <a:stretch>
+            <a:fillRect/>
+          </a:stretch>
+        </p:blipFill>
+        <p:spPr>
+          <a:xfrm>
+            <a:off x="4906309" y="3197502"/>
+            <a:ext cx="6045200" cy="304800"/>
+          </a:xfrm>
+          <a:prstGeom prst="rect">
+            <a:avLst/>
+          </a:prstGeom>
+        </p:spPr>
+      </p:pic>
+      <p:pic>
+        <p:nvPicPr>
+          <p:cNvPr id="12" name="Picture 11">
+            <a:extLst>
+              <a:ext uri="{FF2B5EF4-FFF2-40B4-BE49-F238E27FC236}">
+                <a16:creationId xmlns:a16="http://schemas.microsoft.com/office/drawing/2014/main" id="{B5236D38-BAED-8A38-CA5A-891761C6F796}"/>
+              </a:ext>
+            </a:extLst>
+          </p:cNvPr>
+          <p:cNvPicPr>
+            <a:picLocks noChangeAspect="1"/>
+          </p:cNvPicPr>
+          <p:nvPr/>
+        </p:nvPicPr>
+        <p:blipFill>
+          <a:blip r:embed="rId6"/>
+          <a:stretch>
+            <a:fillRect/>
+          </a:stretch>
+        </p:blipFill>
+        <p:spPr>
+          <a:xfrm>
+            <a:off x="4953000" y="3781702"/>
+            <a:ext cx="3657600" cy="254000"/>
+          </a:xfrm>
+          <a:prstGeom prst="rect">
+            <a:avLst/>
+          </a:prstGeom>
+        </p:spPr>
+      </p:pic>
+      <p:sp>
+        <p:nvSpPr>
+          <p:cNvPr id="13" name="TextBox 12">
+            <a:extLst>
+              <a:ext uri="{FF2B5EF4-FFF2-40B4-BE49-F238E27FC236}">
+                <a16:creationId xmlns:a16="http://schemas.microsoft.com/office/drawing/2014/main" id="{81B95D37-307E-0522-62C2-A699E7311E0F}"/>
+              </a:ext>
+            </a:extLst>
+          </p:cNvPr>
+          <p:cNvSpPr txBox="1"/>
+          <p:nvPr/>
+        </p:nvSpPr>
+        <p:spPr>
+          <a:xfrm>
+            <a:off x="688622" y="3781702"/>
+            <a:ext cx="10665178" cy="1415772"/>
+          </a:xfrm>
+          <a:prstGeom prst="rect">
+            <a:avLst/>
+          </a:prstGeom>
+          <a:noFill/>
+        </p:spPr>
+        <p:txBody>
+          <a:bodyPr wrap="square" rtlCol="0">
+            <a:spAutoFit/>
+          </a:bodyPr>
+          <a:lstStyle/>
+          <a:p>
+            <a:pPr marL="285750" indent="-285750">
+              <a:buFont typeface="Arial" panose="020B0604020202020204" pitchFamily="34" charset="0"/>
+              <a:buChar char="•"/>
+            </a:pPr>
+            <a:r>
+              <a:rPr lang="en-US" sz="2600" dirty="0"/>
+              <a:t>T</a:t>
+            </a:r>
+            <a:r>
+              <a:rPr lang="en-TW" sz="2600" dirty="0"/>
+              <a:t>otal: 25 epochs</a:t>
+            </a:r>
+          </a:p>
+          <a:p>
+            <a:pPr marL="742950" lvl="1" indent="-285750">
+              <a:buFont typeface="Arial" panose="020B0604020202020204" pitchFamily="34" charset="0"/>
+              <a:buChar char="•"/>
+            </a:pPr>
+            <a:r>
+              <a:rPr lang="en-US" sz="2000" dirty="0"/>
+              <a:t>O</a:t>
+            </a:r>
+            <a:r>
+              <a:rPr lang="en-US" sz="2000" dirty="0">
+                <a:effectLst/>
+              </a:rPr>
+              <a:t>ptimizer</a:t>
+            </a:r>
+            <a:r>
+              <a:rPr lang="en-US" sz="2000" dirty="0"/>
+              <a:t> </a:t>
+            </a:r>
+            <a:r>
+              <a:rPr lang="en-US" sz="2000" b="1" dirty="0">
+                <a:effectLst/>
+              </a:rPr>
+              <a:t>=</a:t>
+            </a:r>
+            <a:r>
+              <a:rPr lang="en-US" sz="2000" dirty="0"/>
+              <a:t> </a:t>
+            </a:r>
+            <a:r>
+              <a:rPr lang="en-US" sz="2000" dirty="0" err="1">
+                <a:effectLst/>
+              </a:rPr>
+              <a:t>AdamW</a:t>
+            </a:r>
+            <a:r>
+              <a:rPr lang="en-US" sz="2000" dirty="0">
+                <a:effectLst/>
+              </a:rPr>
+              <a:t>(</a:t>
+            </a:r>
+            <a:r>
+              <a:rPr lang="en-US" sz="2000" dirty="0" err="1">
+                <a:effectLst/>
+              </a:rPr>
+              <a:t>model</a:t>
+            </a:r>
+            <a:r>
+              <a:rPr lang="en-US" sz="2000" b="1" dirty="0" err="1">
+                <a:effectLst/>
+              </a:rPr>
+              <a:t>.</a:t>
+            </a:r>
+            <a:r>
+              <a:rPr lang="en-US" sz="2000" dirty="0" err="1">
+                <a:effectLst/>
+              </a:rPr>
+              <a:t>parameters</a:t>
+            </a:r>
+            <a:r>
+              <a:rPr lang="en-US" sz="2000" dirty="0">
+                <a:effectLst/>
+              </a:rPr>
+              <a:t>(),</a:t>
+            </a:r>
+            <a:r>
+              <a:rPr lang="en-US" sz="2000" dirty="0"/>
+              <a:t> </a:t>
+            </a:r>
+            <a:r>
+              <a:rPr lang="en-US" sz="2000" dirty="0" err="1">
+                <a:effectLst/>
+              </a:rPr>
+              <a:t>lr</a:t>
+            </a:r>
+            <a:r>
+              <a:rPr lang="en-US" sz="2000" b="1" dirty="0">
+                <a:effectLst/>
+              </a:rPr>
+              <a:t>=</a:t>
+            </a:r>
+            <a:r>
+              <a:rPr lang="en-US" sz="2000" dirty="0">
+                <a:effectLst/>
+              </a:rPr>
+              <a:t>5e-4)</a:t>
+            </a:r>
+          </a:p>
+          <a:p>
+            <a:pPr marL="742950" lvl="1" indent="-285750">
+              <a:buFont typeface="Arial" panose="020B0604020202020204" pitchFamily="34" charset="0"/>
+              <a:buChar char="•"/>
+            </a:pPr>
+            <a:r>
+              <a:rPr lang="en-US" sz="2000" dirty="0"/>
+              <a:t>C</a:t>
+            </a:r>
+            <a:r>
+              <a:rPr lang="en-US" sz="2000" dirty="0">
+                <a:effectLst/>
+              </a:rPr>
+              <a:t>riterion</a:t>
+            </a:r>
+            <a:r>
+              <a:rPr lang="en-US" sz="2000" dirty="0"/>
+              <a:t> </a:t>
+            </a:r>
+            <a:r>
+              <a:rPr lang="en-US" sz="2000" b="1" dirty="0">
+                <a:effectLst/>
+              </a:rPr>
+              <a:t>=</a:t>
+            </a:r>
+            <a:r>
+              <a:rPr lang="en-US" sz="2000" dirty="0"/>
+              <a:t> </a:t>
+            </a:r>
+            <a:r>
+              <a:rPr lang="en-US" sz="2000" dirty="0" err="1">
+                <a:effectLst/>
+              </a:rPr>
+              <a:t>nn</a:t>
+            </a:r>
+            <a:r>
+              <a:rPr lang="en-US" sz="2000" b="1" dirty="0" err="1">
+                <a:effectLst/>
+              </a:rPr>
+              <a:t>.</a:t>
+            </a:r>
+            <a:r>
+              <a:rPr lang="en-US" sz="2000" dirty="0" err="1">
+                <a:effectLst/>
+              </a:rPr>
+              <a:t>CrossEntropyLoss</a:t>
+            </a:r>
+            <a:r>
+              <a:rPr lang="en-US" sz="2000" dirty="0">
+                <a:effectLst/>
+              </a:rPr>
+              <a:t>()</a:t>
+            </a:r>
+          </a:p>
+          <a:p>
+            <a:pPr marL="742950" lvl="1" indent="-285750">
+              <a:buFont typeface="Arial" panose="020B0604020202020204" pitchFamily="34" charset="0"/>
+              <a:buChar char="•"/>
+            </a:pPr>
+            <a:r>
+              <a:rPr lang="en-US" sz="2000" dirty="0"/>
+              <a:t>Batch size = </a:t>
+            </a:r>
+            <a:r>
+              <a:rPr lang="en-US" altLang="zh-TW" sz="2000" dirty="0"/>
+              <a:t>4</a:t>
+            </a:r>
+            <a:endParaRPr lang="en-US" sz="2000" dirty="0"/>
           </a:p>
         </p:txBody>
       </p:sp>
     </p:spTree>
     <p:extLst>
       <p:ext uri="{BB962C8B-B14F-4D97-AF65-F5344CB8AC3E}">
-        <p14:creationId xmlns:p14="http://schemas.microsoft.com/office/powerpoint/2010/main" val="1678796027"/>
+        <p14:creationId xmlns:p14="http://schemas.microsoft.com/office/powerpoint/2010/main" val="3369677242"/>
       </p:ext>
     </p:extLst>
   </p:cSld>
@@ -7815,6 +8381,117 @@
           <p:cNvPr id="2" name="Title 1">
             <a:extLst>
               <a:ext uri="{FF2B5EF4-FFF2-40B4-BE49-F238E27FC236}">
+                <a16:creationId xmlns:a16="http://schemas.microsoft.com/office/drawing/2014/main" id="{2D1F1D5D-BC21-FE6C-199A-114DD8A93B70}"/>
+              </a:ext>
+            </a:extLst>
+          </p:cNvPr>
+          <p:cNvSpPr>
+            <a:spLocks noGrp="1"/>
+          </p:cNvSpPr>
+          <p:nvPr>
+            <p:ph type="ctrTitle"/>
+          </p:nvPr>
+        </p:nvSpPr>
+        <p:spPr>
+          <a:xfrm>
+            <a:off x="1056289" y="1492465"/>
+            <a:ext cx="10079421" cy="2387600"/>
+          </a:xfrm>
+        </p:spPr>
+        <p:txBody>
+          <a:bodyPr>
+            <a:normAutofit/>
+          </a:bodyPr>
+          <a:lstStyle/>
+          <a:p>
+            <a:pPr>
+              <a:lnSpc>
+                <a:spcPct val="110000"/>
+              </a:lnSpc>
+            </a:pPr>
+            <a:r>
+              <a:rPr lang="en-TW" sz="4800" b="1" dirty="0"/>
+              <a:t>Graph Convolutional Network - GCN</a:t>
+            </a:r>
+          </a:p>
+        </p:txBody>
+      </p:sp>
+      <p:sp>
+        <p:nvSpPr>
+          <p:cNvPr id="4" name="Slide Number Placeholder 3">
+            <a:extLst>
+              <a:ext uri="{FF2B5EF4-FFF2-40B4-BE49-F238E27FC236}">
+                <a16:creationId xmlns:a16="http://schemas.microsoft.com/office/drawing/2014/main" id="{2BC4D631-FD05-0882-9331-7401BF92027E}"/>
+              </a:ext>
+            </a:extLst>
+          </p:cNvPr>
+          <p:cNvSpPr>
+            <a:spLocks noGrp="1"/>
+          </p:cNvSpPr>
+          <p:nvPr>
+            <p:ph type="sldNum" sz="quarter" idx="12"/>
+          </p:nvPr>
+        </p:nvSpPr>
+        <p:spPr/>
+        <p:txBody>
+          <a:bodyPr/>
+          <a:lstStyle/>
+          <a:p>
+            <a:fld id="{DB156E10-B3DB-CB42-894C-E44038C8B0C4}" type="slidenum">
+              <a:rPr lang="en-TW" smtClean="0"/>
+              <a:t>20</a:t>
+            </a:fld>
+            <a:endParaRPr lang="en-TW"/>
+          </a:p>
+        </p:txBody>
+      </p:sp>
+    </p:spTree>
+    <p:extLst>
+      <p:ext uri="{BB962C8B-B14F-4D97-AF65-F5344CB8AC3E}">
+        <p14:creationId xmlns:p14="http://schemas.microsoft.com/office/powerpoint/2010/main" val="1678796027"/>
+      </p:ext>
+    </p:extLst>
+  </p:cSld>
+  <p:clrMapOvr>
+    <a:masterClrMapping/>
+  </p:clrMapOvr>
+  <mc:AlternateContent xmlns:mc="http://schemas.openxmlformats.org/markup-compatibility/2006" xmlns:p159="http://schemas.microsoft.com/office/powerpoint/2015/09/main">
+    <mc:Choice Requires="p159">
+      <p:transition xmlns:p14="http://schemas.microsoft.com/office/powerpoint/2010/main" spd="slow" p14:dur="2000">
+        <p159:morph option="byObject"/>
+      </p:transition>
+    </mc:Choice>
+    <mc:Fallback xmlns="">
+      <p:transition spd="slow">
+        <p:fade/>
+      </p:transition>
+    </mc:Fallback>
+  </mc:AlternateContent>
+</p:sld>
+</file>
+
+<file path=ppt/slides/slide21.xml><?xml version="1.0" encoding="utf-8"?>
+<p:sld xmlns:a="http://schemas.openxmlformats.org/drawingml/2006/main" xmlns:r="http://schemas.openxmlformats.org/officeDocument/2006/relationships" xmlns:p="http://schemas.openxmlformats.org/presentationml/2006/main">
+  <p:cSld>
+    <p:spTree>
+      <p:nvGrpSpPr>
+        <p:cNvPr id="1" name=""/>
+        <p:cNvGrpSpPr/>
+        <p:nvPr/>
+      </p:nvGrpSpPr>
+      <p:grpSpPr>
+        <a:xfrm>
+          <a:off x="0" y="0"/>
+          <a:ext cx="0" cy="0"/>
+          <a:chOff x="0" y="0"/>
+          <a:chExt cx="0" cy="0"/>
+        </a:xfrm>
+      </p:grpSpPr>
+      <p:sp>
+        <p:nvSpPr>
+          <p:cNvPr id="2" name="Title 1">
+            <a:extLst>
+              <a:ext uri="{FF2B5EF4-FFF2-40B4-BE49-F238E27FC236}">
                 <a16:creationId xmlns:a16="http://schemas.microsoft.com/office/drawing/2014/main" id="{2B533BED-E48C-5E7F-2273-C55CCE98516B}"/>
               </a:ext>
             </a:extLst>
@@ -7866,7 +8543,7 @@
           <a:p>
             <a:fld id="{DB156E10-B3DB-CB42-894C-E44038C8B0C4}" type="slidenum">
               <a:rPr lang="en-TW" smtClean="0"/>
-              <a:t>20</a:t>
+              <a:t>21</a:t>
             </a:fld>
             <a:endParaRPr lang="en-TW"/>
           </a:p>
@@ -8387,7 +9064,7 @@
 </p:sld>
 </file>
 
-<file path=ppt/slides/slide21.xml><?xml version="1.0" encoding="utf-8"?>
+<file path=ppt/slides/slide22.xml><?xml version="1.0" encoding="utf-8"?>
 <p:sld xmlns:a="http://schemas.openxmlformats.org/drawingml/2006/main" xmlns:r="http://schemas.openxmlformats.org/officeDocument/2006/relationships" xmlns:p="http://schemas.openxmlformats.org/presentationml/2006/main">
   <p:cSld>
     <p:spTree>
@@ -8427,7 +9104,7 @@
           <a:p>
             <a:fld id="{DB156E10-B3DB-CB42-894C-E44038C8B0C4}" type="slidenum">
               <a:rPr lang="en-TW" smtClean="0"/>
-              <a:t>21</a:t>
+              <a:t>22</a:t>
             </a:fld>
             <a:endParaRPr lang="en-TW"/>
           </a:p>
@@ -10242,7 +10919,7 @@
         </p:nvSpPr>
         <p:spPr>
           <a:xfrm>
-            <a:off x="691693" y="2532647"/>
+            <a:off x="691691" y="2728864"/>
             <a:ext cx="9882011" cy="670836"/>
           </a:xfrm>
         </p:spPr>
@@ -10319,7 +10996,7 @@
         </p:blipFill>
         <p:spPr>
           <a:xfrm>
-            <a:off x="983956" y="4724788"/>
+            <a:off x="998155" y="4724788"/>
             <a:ext cx="7772400" cy="1778000"/>
           </a:xfrm>
           <a:prstGeom prst="rect">
@@ -10349,7 +11026,7 @@
         </p:blipFill>
         <p:spPr>
           <a:xfrm>
-            <a:off x="983956" y="3044775"/>
+            <a:off x="983956" y="3196506"/>
             <a:ext cx="10665336" cy="1060640"/>
           </a:xfrm>
           <a:prstGeom prst="rect">
@@ -10373,7 +11050,7 @@
         </p:nvSpPr>
         <p:spPr>
           <a:xfrm>
-            <a:off x="691693" y="4257146"/>
+            <a:off x="691690" y="4269676"/>
             <a:ext cx="9882011" cy="670836"/>
           </a:xfrm>
           <a:prstGeom prst="rect">
@@ -10630,7 +11307,7 @@
         </p:nvSpPr>
         <p:spPr>
           <a:xfrm>
-            <a:off x="691694" y="1481845"/>
+            <a:off x="691692" y="1364020"/>
             <a:ext cx="9882011" cy="670836"/>
           </a:xfrm>
           <a:prstGeom prst="rect">
@@ -10847,6 +11524,12 @@
             <a:r>
               <a:rPr lang="en-TW" sz="2400" dirty="0"/>
               <a:t> supportedd by sklearn</a:t>
+            </a:r>
+          </a:p>
+          <a:p>
+            <a:r>
+              <a:rPr lang="en-TW" sz="2400" dirty="0"/>
+              <a:t>Give these files to Euni</a:t>
             </a:r>
           </a:p>
         </p:txBody>
